--- a/Misadventure.pptx
+++ b/Misadventure.pptx
@@ -2,19 +2,19 @@
 <file path=ppt/presentation.xml><?xml version="1.0" encoding="utf-8"?>
 <p:presentation xmlns:a="http://schemas.openxmlformats.org/drawingml/2006/main" xmlns:r="http://schemas.openxmlformats.org/officeDocument/2006/relationships" xmlns:p="http://schemas.openxmlformats.org/presentationml/2006/main">
   <p:sldMasterIdLst>
-    <p:sldMasterId id="2147483648" r:id="rId5"/>
+    <p:sldMasterId id="2147483648" r:id="rId1"/>
   </p:sldMasterIdLst>
   <p:notesMasterIdLst>
-    <p:notesMasterId r:id="rId7"/>
+    <p:notesMasterId r:id="rId9"/>
   </p:notesMasterIdLst>
   <p:sldIdLst>
-    <p:sldId id="256" r:id="rId8"/>
-    <p:sldId id="257" r:id="rId9"/>
-    <p:sldId id="258" r:id="rId10"/>
-    <p:sldId id="259" r:id="rId11"/>
-    <p:sldId id="260" r:id="rId12"/>
-    <p:sldId id="261" r:id="rId13"/>
-    <p:sldId id="262" r:id="rId14"/>
+    <p:sldId id="256" r:id="rId2"/>
+    <p:sldId id="257" r:id="rId3"/>
+    <p:sldId id="258" r:id="rId4"/>
+    <p:sldId id="259" r:id="rId5"/>
+    <p:sldId id="260" r:id="rId6"/>
+    <p:sldId id="261" r:id="rId7"/>
+    <p:sldId id="262" r:id="rId8"/>
   </p:sldIdLst>
   <p:sldSz cx="13004800" cy="9753600"/>
   <p:notesSz cx="6858000" cy="9144000"/>
@@ -34,7 +34,7 @@
       <a:buFontTx/>
       <a:buNone/>
       <a:tabLst/>
-      <a:defRPr b="0" baseline="0" cap="none" i="0" spc="0" strike="noStrike" sz="1800" u="none" kumimoji="0" normalizeH="0">
+      <a:defRPr kumimoji="0" sz="1800" b="0" i="0" u="none" strike="noStrike" cap="none" spc="0" normalizeH="0" baseline="0">
         <a:ln>
           <a:noFill/>
         </a:ln>
@@ -60,7 +60,7 @@
       <a:buFontTx/>
       <a:buNone/>
       <a:tabLst/>
-      <a:defRPr b="0" baseline="0" cap="none" i="0" spc="0" strike="noStrike" sz="2000" u="none" kumimoji="0" normalizeH="0">
+      <a:defRPr kumimoji="0" sz="2000" b="0" i="0" u="none" strike="noStrike" cap="none" spc="0" normalizeH="0" baseline="0">
         <a:ln>
           <a:noFill/>
         </a:ln>
@@ -90,7 +90,7 @@
       <a:buFontTx/>
       <a:buNone/>
       <a:tabLst/>
-      <a:defRPr b="0" baseline="0" cap="none" i="0" spc="0" strike="noStrike" sz="2000" u="none" kumimoji="0" normalizeH="0">
+      <a:defRPr kumimoji="0" sz="2000" b="0" i="0" u="none" strike="noStrike" cap="none" spc="0" normalizeH="0" baseline="0">
         <a:ln>
           <a:noFill/>
         </a:ln>
@@ -120,7 +120,7 @@
       <a:buFontTx/>
       <a:buNone/>
       <a:tabLst/>
-      <a:defRPr b="0" baseline="0" cap="none" i="0" spc="0" strike="noStrike" sz="2000" u="none" kumimoji="0" normalizeH="0">
+      <a:defRPr kumimoji="0" sz="2000" b="0" i="0" u="none" strike="noStrike" cap="none" spc="0" normalizeH="0" baseline="0">
         <a:ln>
           <a:noFill/>
         </a:ln>
@@ -150,7 +150,7 @@
       <a:buFontTx/>
       <a:buNone/>
       <a:tabLst/>
-      <a:defRPr b="0" baseline="0" cap="none" i="0" spc="0" strike="noStrike" sz="2000" u="none" kumimoji="0" normalizeH="0">
+      <a:defRPr kumimoji="0" sz="2000" b="0" i="0" u="none" strike="noStrike" cap="none" spc="0" normalizeH="0" baseline="0">
         <a:ln>
           <a:noFill/>
         </a:ln>
@@ -180,7 +180,7 @@
       <a:buFontTx/>
       <a:buNone/>
       <a:tabLst/>
-      <a:defRPr b="0" baseline="0" cap="none" i="0" spc="0" strike="noStrike" sz="2000" u="none" kumimoji="0" normalizeH="0">
+      <a:defRPr kumimoji="0" sz="2000" b="0" i="0" u="none" strike="noStrike" cap="none" spc="0" normalizeH="0" baseline="0">
         <a:ln>
           <a:noFill/>
         </a:ln>
@@ -210,7 +210,7 @@
       <a:buFontTx/>
       <a:buNone/>
       <a:tabLst/>
-      <a:defRPr b="0" baseline="0" cap="none" i="0" spc="0" strike="noStrike" sz="2000" u="none" kumimoji="0" normalizeH="0">
+      <a:defRPr kumimoji="0" sz="2000" b="0" i="0" u="none" strike="noStrike" cap="none" spc="0" normalizeH="0" baseline="0">
         <a:ln>
           <a:noFill/>
         </a:ln>
@@ -240,7 +240,7 @@
       <a:buFontTx/>
       <a:buNone/>
       <a:tabLst/>
-      <a:defRPr b="0" baseline="0" cap="none" i="0" spc="0" strike="noStrike" sz="2000" u="none" kumimoji="0" normalizeH="0">
+      <a:defRPr kumimoji="0" sz="2000" b="0" i="0" u="none" strike="noStrike" cap="none" spc="0" normalizeH="0" baseline="0">
         <a:ln>
           <a:noFill/>
         </a:ln>
@@ -270,7 +270,7 @@
       <a:buFontTx/>
       <a:buNone/>
       <a:tabLst/>
-      <a:defRPr b="0" baseline="0" cap="none" i="0" spc="0" strike="noStrike" sz="2000" u="none" kumimoji="0" normalizeH="0">
+      <a:defRPr kumimoji="0" sz="2000" b="0" i="0" u="none" strike="noStrike" cap="none" spc="0" normalizeH="0" baseline="0">
         <a:ln>
           <a:noFill/>
         </a:ln>
@@ -300,7 +300,7 @@
       <a:buFontTx/>
       <a:buNone/>
       <a:tabLst/>
-      <a:defRPr b="0" baseline="0" cap="none" i="0" spc="0" strike="noStrike" sz="2000" u="none" kumimoji="0" normalizeH="0">
+      <a:defRPr kumimoji="0" sz="2000" b="0" i="0" u="none" strike="noStrike" cap="none" spc="0" normalizeH="0" baseline="0">
         <a:ln>
           <a:noFill/>
         </a:ln>
@@ -319,13 +319,14 @@
 </p:presentation>
 </file>
 
-<file path=ppt/commentAuthors.xml><?xml version="1.0" encoding="utf-8"?>
-<p:cmAuthorLst xmlns:a="http://schemas.openxmlformats.org/drawingml/2006/main" xmlns:r="http://schemas.openxmlformats.org/officeDocument/2006/relationships" xmlns:p="http://schemas.openxmlformats.org/presentationml/2006/main"/>
-</file>
-
 <file path=ppt/notesMasters/notesMaster1.xml><?xml version="1.0" encoding="utf-8"?>
 <p:notesMaster xmlns:a="http://schemas.openxmlformats.org/drawingml/2006/main" xmlns:r="http://schemas.openxmlformats.org/officeDocument/2006/relationships" xmlns:p="http://schemas.openxmlformats.org/presentationml/2006/main">
   <p:cSld>
+    <p:bg>
+      <p:bgRef idx="1001">
+        <a:schemeClr val="bg1"/>
+      </p:bgRef>
+    </p:bg>
     <p:spTree>
       <p:nvGrpSpPr>
         <p:cNvPr id="1" name=""/>
@@ -343,7 +344,9 @@
       <p:sp>
         <p:nvSpPr>
           <p:cNvPr id="163" name="Shape 163"/>
-          <p:cNvSpPr/>
+          <p:cNvSpPr>
+            <a:spLocks noGrp="1" noRot="1" noChangeAspect="1"/>
+          </p:cNvSpPr>
           <p:nvPr>
             <p:ph type="sldImg"/>
           </p:nvPr>
@@ -361,14 +364,16 @@
           <a:bodyPr/>
           <a:lstStyle/>
           <a:p>
-            <a:pPr/>
+            <a:endParaRPr/>
           </a:p>
         </p:txBody>
       </p:sp>
       <p:sp>
         <p:nvSpPr>
           <p:cNvPr id="164" name="Shape 164"/>
-          <p:cNvSpPr/>
+          <p:cNvSpPr>
+            <a:spLocks noGrp="1"/>
+          </p:cNvSpPr>
           <p:nvPr>
             <p:ph type="body" sz="quarter" idx="1"/>
           </p:nvPr>
@@ -386,7 +391,7 @@
           <a:bodyPr/>
           <a:lstStyle/>
           <a:p>
-            <a:pPr/>
+            <a:endParaRPr/>
           </a:p>
         </p:txBody>
       </p:sp>
@@ -498,13 +503,14 @@
 </file>
 
 <file path=ppt/slideLayouts/slideLayout1.xml><?xml version="1.0" encoding="utf-8"?>
-<p:sldLayout xmlns:a="http://schemas.openxmlformats.org/drawingml/2006/main" xmlns:r="http://schemas.openxmlformats.org/officeDocument/2006/relationships" xmlns:p="http://schemas.openxmlformats.org/presentationml/2006/main" type="title" showMasterSp="0" showMasterPhAnim="1">
+<p:sldLayout xmlns:a="http://schemas.openxmlformats.org/drawingml/2006/main" xmlns:r="http://schemas.openxmlformats.org/officeDocument/2006/relationships" xmlns:p="http://schemas.openxmlformats.org/presentationml/2006/main" showMasterSp="0" type="title">
   <p:cSld name="Title &amp; Subtitle">
     <p:bg>
       <p:bgPr>
         <a:solidFill>
           <a:srgbClr val="222222"/>
         </a:solidFill>
+        <a:effectLst/>
       </p:bgPr>
     </p:bg>
     <p:spTree>
@@ -560,13 +566,16 @@
                 <a:sym typeface="Helvetica"/>
               </a:defRPr>
             </a:pPr>
+            <a:endParaRPr/>
           </a:p>
         </p:txBody>
       </p:sp>
       <p:sp>
         <p:nvSpPr>
           <p:cNvPr id="13" name="Shape 13"/>
-          <p:cNvSpPr/>
+          <p:cNvSpPr>
+            <a:spLocks noGrp="1"/>
+          </p:cNvSpPr>
           <p:nvPr>
             <p:ph type="title"/>
           </p:nvPr>
@@ -591,7 +600,6 @@
             </a:lvl1pPr>
           </a:lstStyle>
           <a:p>
-            <a:pPr/>
             <a:r>
               <a:t>Title Text</a:t>
             </a:r>
@@ -601,7 +609,9 @@
       <p:sp>
         <p:nvSpPr>
           <p:cNvPr id="14" name="Shape 14"/>
-          <p:cNvSpPr/>
+          <p:cNvSpPr>
+            <a:spLocks noGrp="1"/>
+          </p:cNvSpPr>
           <p:nvPr>
             <p:ph type="body" sz="quarter" idx="1"/>
           </p:nvPr>
@@ -629,7 +639,7 @@
               <a:buSzTx/>
               <a:buFontTx/>
               <a:buNone/>
-              <a:defRPr cap="all" sz="5400">
+              <a:defRPr sz="5400" cap="all">
                 <a:solidFill>
                   <a:srgbClr val="A6AAA9"/>
                 </a:solidFill>
@@ -650,7 +660,7 @@
               <a:buSzTx/>
               <a:buFontTx/>
               <a:buNone/>
-              <a:defRPr cap="all" sz="5400">
+              <a:defRPr sz="5400" cap="all">
                 <a:solidFill>
                   <a:srgbClr val="A6AAA9"/>
                 </a:solidFill>
@@ -671,7 +681,7 @@
               <a:buSzTx/>
               <a:buFontTx/>
               <a:buNone/>
-              <a:defRPr cap="all" sz="5400">
+              <a:defRPr sz="5400" cap="all">
                 <a:solidFill>
                   <a:srgbClr val="A6AAA9"/>
                 </a:solidFill>
@@ -692,7 +702,7 @@
               <a:buSzTx/>
               <a:buFontTx/>
               <a:buNone/>
-              <a:defRPr cap="all" sz="5400">
+              <a:defRPr sz="5400" cap="all">
                 <a:solidFill>
                   <a:srgbClr val="A6AAA9"/>
                 </a:solidFill>
@@ -713,7 +723,7 @@
               <a:buSzTx/>
               <a:buFontTx/>
               <a:buNone/>
-              <a:defRPr cap="all" sz="5400">
+              <a:defRPr sz="5400" cap="all">
                 <a:solidFill>
                   <a:srgbClr val="A6AAA9"/>
                 </a:solidFill>
@@ -725,7 +735,6 @@
             </a:lvl5pPr>
           </a:lstStyle>
           <a:p>
-            <a:pPr/>
             <a:r>
               <a:t>Body Level One</a:t>
             </a:r>
@@ -759,7 +768,9 @@
       <p:sp>
         <p:nvSpPr>
           <p:cNvPr id="15" name="Shape 15"/>
-          <p:cNvSpPr/>
+          <p:cNvSpPr>
+            <a:spLocks noGrp="1"/>
+          </p:cNvSpPr>
           <p:nvPr>
             <p:ph type="sldNum" sz="quarter" idx="2"/>
           </p:nvPr>
@@ -777,8 +788,10 @@
           <a:bodyPr/>
           <a:lstStyle/>
           <a:p>
-            <a:pPr/>
-            <a:fld id="{86CB4B4D-7CA3-9044-876B-883B54F8677D}" type="slidenum"/>
+            <a:fld id="{86CB4B4D-7CA3-9044-876B-883B54F8677D}" type="slidenum">
+              <a:t>‹#›</a:t>
+            </a:fld>
+            <a:endParaRPr/>
           </a:p>
         </p:txBody>
       </p:sp>
@@ -787,18 +800,19 @@
   <p:clrMapOvr>
     <a:masterClrMapping/>
   </p:clrMapOvr>
-  <p:transition xmlns:p14="http://schemas.microsoft.com/office/powerpoint/2010/main" spd="med" advClick="1"/>
+  <p:transition spd="med"/>
 </p:sldLayout>
 </file>
 
 <file path=ppt/slideLayouts/slideLayout10.xml><?xml version="1.0" encoding="utf-8"?>
-<p:sldLayout xmlns:a="http://schemas.openxmlformats.org/drawingml/2006/main" xmlns:r="http://schemas.openxmlformats.org/officeDocument/2006/relationships" xmlns:p="http://schemas.openxmlformats.org/presentationml/2006/main" type="tx" showMasterSp="1" showMasterPhAnim="1">
+<p:sldLayout xmlns:a="http://schemas.openxmlformats.org/drawingml/2006/main" xmlns:r="http://schemas.openxmlformats.org/officeDocument/2006/relationships" xmlns:p="http://schemas.openxmlformats.org/presentationml/2006/main" type="tx">
   <p:cSld name="Bullets">
     <p:bg>
       <p:bgPr>
         <a:solidFill>
           <a:srgbClr val="222222"/>
         </a:solidFill>
+        <a:effectLst/>
       </p:bgPr>
     </p:bg>
     <p:spTree>
@@ -818,7 +832,9 @@
       <p:sp>
         <p:nvSpPr>
           <p:cNvPr id="102" name="Shape 102"/>
-          <p:cNvSpPr/>
+          <p:cNvSpPr>
+            <a:spLocks noGrp="1"/>
+          </p:cNvSpPr>
           <p:nvPr>
             <p:ph type="body" sz="quarter" idx="13"/>
           </p:nvPr>
@@ -848,7 +864,7 @@
               <a:buSzTx/>
               <a:buFontTx/>
               <a:buNone/>
-              <a:defRPr cap="all" spc="120" sz="2400">
+              <a:defRPr sz="2400" cap="all" spc="120">
                 <a:latin typeface="DIN Alternate"/>
                 <a:ea typeface="DIN Alternate"/>
                 <a:cs typeface="DIN Alternate"/>
@@ -857,7 +873,6 @@
             </a:lvl1pPr>
           </a:lstStyle>
           <a:p>
-            <a:pPr/>
             <a:r>
               <a:t>Text</a:t>
             </a:r>
@@ -867,7 +882,9 @@
       <p:sp>
         <p:nvSpPr>
           <p:cNvPr id="103" name="Shape 103"/>
-          <p:cNvSpPr/>
+          <p:cNvSpPr>
+            <a:spLocks noGrp="1"/>
+          </p:cNvSpPr>
           <p:nvPr>
             <p:ph type="body" idx="1"/>
           </p:nvPr>
@@ -912,7 +929,6 @@
             </a:lvl5pPr>
           </a:lstStyle>
           <a:p>
-            <a:pPr/>
             <a:r>
               <a:t>Body Level One</a:t>
             </a:r>
@@ -946,7 +962,9 @@
       <p:sp>
         <p:nvSpPr>
           <p:cNvPr id="104" name="Shape 104"/>
-          <p:cNvSpPr/>
+          <p:cNvSpPr>
+            <a:spLocks noGrp="1"/>
+          </p:cNvSpPr>
           <p:nvPr>
             <p:ph type="sldNum" sz="quarter" idx="2"/>
           </p:nvPr>
@@ -960,8 +978,10 @@
           <a:bodyPr/>
           <a:lstStyle/>
           <a:p>
-            <a:pPr/>
-            <a:fld id="{86CB4B4D-7CA3-9044-876B-883B54F8677D}" type="slidenum"/>
+            <a:fld id="{86CB4B4D-7CA3-9044-876B-883B54F8677D}" type="slidenum">
+              <a:t>‹#›</a:t>
+            </a:fld>
+            <a:endParaRPr/>
           </a:p>
         </p:txBody>
       </p:sp>
@@ -970,18 +990,19 @@
   <p:clrMapOvr>
     <a:masterClrMapping/>
   </p:clrMapOvr>
-  <p:transition xmlns:p14="http://schemas.microsoft.com/office/powerpoint/2010/main" spd="med" advClick="1"/>
+  <p:transition spd="med"/>
 </p:sldLayout>
 </file>
 
 <file path=ppt/slideLayouts/slideLayout11.xml><?xml version="1.0" encoding="utf-8"?>
-<p:sldLayout xmlns:a="http://schemas.openxmlformats.org/drawingml/2006/main" xmlns:r="http://schemas.openxmlformats.org/officeDocument/2006/relationships" xmlns:p="http://schemas.openxmlformats.org/presentationml/2006/main" type="tx" showMasterSp="0" showMasterPhAnim="1">
+<p:sldLayout xmlns:a="http://schemas.openxmlformats.org/drawingml/2006/main" xmlns:r="http://schemas.openxmlformats.org/officeDocument/2006/relationships" xmlns:p="http://schemas.openxmlformats.org/presentationml/2006/main" showMasterSp="0" type="tx">
   <p:cSld name="Photo - 3 Up">
     <p:bg>
       <p:bgPr>
         <a:solidFill>
           <a:srgbClr val="222222"/>
         </a:solidFill>
+        <a:effectLst/>
       </p:bgPr>
     </p:bg>
     <p:spTree>
@@ -1001,7 +1022,9 @@
       <p:sp>
         <p:nvSpPr>
           <p:cNvPr id="111" name="Shape 111"/>
-          <p:cNvSpPr/>
+          <p:cNvSpPr>
+            <a:spLocks noGrp="1"/>
+          </p:cNvSpPr>
           <p:nvPr>
             <p:ph type="pic" sz="half" idx="13"/>
           </p:nvPr>
@@ -1021,14 +1044,16 @@
           </a:bodyPr>
           <a:lstStyle/>
           <a:p>
-            <a:pPr/>
+            <a:endParaRPr/>
           </a:p>
         </p:txBody>
       </p:sp>
       <p:sp>
         <p:nvSpPr>
           <p:cNvPr id="112" name="Shape 112"/>
-          <p:cNvSpPr/>
+          <p:cNvSpPr>
+            <a:spLocks noGrp="1"/>
+          </p:cNvSpPr>
           <p:nvPr>
             <p:ph type="pic" sz="half" idx="14"/>
           </p:nvPr>
@@ -1048,14 +1073,16 @@
           </a:bodyPr>
           <a:lstStyle/>
           <a:p>
-            <a:pPr/>
+            <a:endParaRPr/>
           </a:p>
         </p:txBody>
       </p:sp>
       <p:sp>
         <p:nvSpPr>
           <p:cNvPr id="113" name="Shape 113"/>
-          <p:cNvSpPr/>
+          <p:cNvSpPr>
+            <a:spLocks noGrp="1"/>
+          </p:cNvSpPr>
           <p:nvPr>
             <p:ph type="pic" idx="15"/>
           </p:nvPr>
@@ -1075,14 +1102,16 @@
           </a:bodyPr>
           <a:lstStyle/>
           <a:p>
-            <a:pPr/>
+            <a:endParaRPr/>
           </a:p>
         </p:txBody>
       </p:sp>
       <p:sp>
         <p:nvSpPr>
           <p:cNvPr id="114" name="Shape 114"/>
-          <p:cNvSpPr/>
+          <p:cNvSpPr>
+            <a:spLocks noGrp="1"/>
+          </p:cNvSpPr>
           <p:nvPr>
             <p:ph type="sldNum" sz="quarter" idx="2"/>
           </p:nvPr>
@@ -1096,8 +1125,10 @@
           <a:bodyPr/>
           <a:lstStyle/>
           <a:p>
-            <a:pPr/>
-            <a:fld id="{86CB4B4D-7CA3-9044-876B-883B54F8677D}" type="slidenum"/>
+            <a:fld id="{86CB4B4D-7CA3-9044-876B-883B54F8677D}" type="slidenum">
+              <a:t>‹#›</a:t>
+            </a:fld>
+            <a:endParaRPr/>
           </a:p>
         </p:txBody>
       </p:sp>
@@ -1106,18 +1137,19 @@
   <p:clrMapOvr>
     <a:masterClrMapping/>
   </p:clrMapOvr>
-  <p:transition xmlns:p14="http://schemas.microsoft.com/office/powerpoint/2010/main" spd="med" advClick="1"/>
+  <p:transition spd="med"/>
 </p:sldLayout>
 </file>
 
 <file path=ppt/slideLayouts/slideLayout12.xml><?xml version="1.0" encoding="utf-8"?>
-<p:sldLayout xmlns:a="http://schemas.openxmlformats.org/drawingml/2006/main" xmlns:r="http://schemas.openxmlformats.org/officeDocument/2006/relationships" xmlns:p="http://schemas.openxmlformats.org/presentationml/2006/main" type="tx" showMasterSp="1" showMasterPhAnim="1">
+<p:sldLayout xmlns:a="http://schemas.openxmlformats.org/drawingml/2006/main" xmlns:r="http://schemas.openxmlformats.org/officeDocument/2006/relationships" xmlns:p="http://schemas.openxmlformats.org/presentationml/2006/main" type="tx">
   <p:cSld name="Quote">
     <p:bg>
       <p:bgPr>
         <a:solidFill>
           <a:srgbClr val="222222"/>
         </a:solidFill>
+        <a:effectLst/>
       </p:bgPr>
     </p:bg>
     <p:spTree>
@@ -1165,7 +1197,7 @@
             </a:cxnLst>
             <a:rect l="0" t="0" r="r" b="b"/>
             <a:pathLst>
-              <a:path w="21600" h="21600" fill="norm" stroke="1" extrusionOk="0">
+              <a:path w="21600" h="21600" extrusionOk="0">
                 <a:moveTo>
                   <a:pt x="224" y="0"/>
                 </a:moveTo>
@@ -1232,7 +1264,7 @@
               <a:spcBef>
                 <a:spcPts val="0"/>
               </a:spcBef>
-              <a:defRPr cap="all" sz="2800">
+              <a:defRPr sz="2800" cap="all">
                 <a:solidFill>
                   <a:srgbClr val="FFFFFF"/>
                 </a:solidFill>
@@ -1242,13 +1274,16 @@
                 <a:sym typeface="DIN Condensed"/>
               </a:defRPr>
             </a:pPr>
+            <a:endParaRPr/>
           </a:p>
         </p:txBody>
       </p:sp>
       <p:sp>
         <p:nvSpPr>
           <p:cNvPr id="122" name="Shape 122"/>
-          <p:cNvSpPr/>
+          <p:cNvSpPr>
+            <a:spLocks noGrp="1"/>
+          </p:cNvSpPr>
           <p:nvPr>
             <p:ph type="body" sz="quarter" idx="13"/>
           </p:nvPr>
@@ -1278,7 +1313,7 @@
               <a:buSzTx/>
               <a:buFontTx/>
               <a:buNone/>
-              <a:defRPr cap="all" sz="9400">
+              <a:defRPr sz="9400" cap="all">
                 <a:solidFill>
                   <a:srgbClr val="FFFFFF"/>
                 </a:solidFill>
@@ -1290,7 +1325,6 @@
             </a:lvl1pPr>
           </a:lstStyle>
           <a:p>
-            <a:pPr/>
             <a:r>
               <a:t>Type a quote here.</a:t>
             </a:r>
@@ -1300,7 +1334,9 @@
       <p:sp>
         <p:nvSpPr>
           <p:cNvPr id="123" name="Shape 123"/>
-          <p:cNvSpPr/>
+          <p:cNvSpPr>
+            <a:spLocks noGrp="1"/>
+          </p:cNvSpPr>
           <p:nvPr>
             <p:ph type="body" sz="quarter" idx="14"/>
           </p:nvPr>
@@ -1339,7 +1375,6 @@
             </a:lvl1pPr>
           </a:lstStyle>
           <a:p>
-            <a:pPr/>
             <a:r>
               <a:t>Johnny Appleseed</a:t>
             </a:r>
@@ -1349,7 +1384,9 @@
       <p:sp>
         <p:nvSpPr>
           <p:cNvPr id="124" name="Shape 124"/>
-          <p:cNvSpPr/>
+          <p:cNvSpPr>
+            <a:spLocks noGrp="1"/>
+          </p:cNvSpPr>
           <p:nvPr>
             <p:ph type="body" sz="quarter" idx="15"/>
           </p:nvPr>
@@ -1379,7 +1416,7 @@
               <a:buSzTx/>
               <a:buFontTx/>
               <a:buNone/>
-              <a:defRPr cap="all" spc="120" sz="2400">
+              <a:defRPr sz="2400" cap="all" spc="120">
                 <a:latin typeface="DIN Alternate"/>
                 <a:ea typeface="DIN Alternate"/>
                 <a:cs typeface="DIN Alternate"/>
@@ -1388,7 +1425,6 @@
             </a:lvl1pPr>
           </a:lstStyle>
           <a:p>
-            <a:pPr/>
             <a:r>
               <a:t>Text</a:t>
             </a:r>
@@ -1398,7 +1434,9 @@
       <p:sp>
         <p:nvSpPr>
           <p:cNvPr id="125" name="Shape 125"/>
-          <p:cNvSpPr/>
+          <p:cNvSpPr>
+            <a:spLocks noGrp="1"/>
+          </p:cNvSpPr>
           <p:nvPr>
             <p:ph type="sldNum" sz="quarter" idx="2"/>
           </p:nvPr>
@@ -1412,8 +1450,10 @@
           <a:bodyPr/>
           <a:lstStyle/>
           <a:p>
-            <a:pPr/>
-            <a:fld id="{86CB4B4D-7CA3-9044-876B-883B54F8677D}" type="slidenum"/>
+            <a:fld id="{86CB4B4D-7CA3-9044-876B-883B54F8677D}" type="slidenum">
+              <a:t>‹#›</a:t>
+            </a:fld>
+            <a:endParaRPr/>
           </a:p>
         </p:txBody>
       </p:sp>
@@ -1422,18 +1462,19 @@
   <p:clrMapOvr>
     <a:masterClrMapping/>
   </p:clrMapOvr>
-  <p:transition xmlns:p14="http://schemas.microsoft.com/office/powerpoint/2010/main" spd="med" advClick="1"/>
+  <p:transition spd="med"/>
 </p:sldLayout>
 </file>
 
 <file path=ppt/slideLayouts/slideLayout13.xml><?xml version="1.0" encoding="utf-8"?>
-<p:sldLayout xmlns:a="http://schemas.openxmlformats.org/drawingml/2006/main" xmlns:r="http://schemas.openxmlformats.org/officeDocument/2006/relationships" xmlns:p="http://schemas.openxmlformats.org/presentationml/2006/main" type="tx" showMasterSp="0" showMasterPhAnim="1">
+<p:sldLayout xmlns:a="http://schemas.openxmlformats.org/drawingml/2006/main" xmlns:r="http://schemas.openxmlformats.org/officeDocument/2006/relationships" xmlns:p="http://schemas.openxmlformats.org/presentationml/2006/main" showMasterSp="0" type="tx">
   <p:cSld name="Quote Alt">
     <p:bg>
       <p:bgPr>
         <a:solidFill>
           <a:schemeClr val="accent1"/>
         </a:solidFill>
+        <a:effectLst/>
       </p:bgPr>
     </p:bg>
     <p:spTree>
@@ -1453,7 +1494,9 @@
       <p:sp>
         <p:nvSpPr>
           <p:cNvPr id="132" name="Shape 132"/>
-          <p:cNvSpPr/>
+          <p:cNvSpPr>
+            <a:spLocks noGrp="1"/>
+          </p:cNvSpPr>
           <p:nvPr>
             <p:ph type="body" sz="quarter" idx="13"/>
           </p:nvPr>
@@ -1483,7 +1526,7 @@
               <a:buSzTx/>
               <a:buFontTx/>
               <a:buNone/>
-              <a:defRPr cap="all" sz="9400">
+              <a:defRPr sz="9400" cap="all">
                 <a:solidFill>
                   <a:srgbClr val="FFFFFF"/>
                 </a:solidFill>
@@ -1495,7 +1538,6 @@
             </a:lvl1pPr>
           </a:lstStyle>
           <a:p>
-            <a:pPr/>
             <a:r>
               <a:t>Type a quote here.</a:t>
             </a:r>
@@ -1505,7 +1547,9 @@
       <p:sp>
         <p:nvSpPr>
           <p:cNvPr id="133" name="Shape 133"/>
-          <p:cNvSpPr/>
+          <p:cNvSpPr>
+            <a:spLocks noGrp="1"/>
+          </p:cNvSpPr>
           <p:nvPr>
             <p:ph type="pic" idx="14"/>
           </p:nvPr>
@@ -1525,14 +1569,16 @@
           </a:bodyPr>
           <a:lstStyle/>
           <a:p>
-            <a:pPr/>
+            <a:endParaRPr/>
           </a:p>
         </p:txBody>
       </p:sp>
       <p:sp>
         <p:nvSpPr>
           <p:cNvPr id="134" name="Shape 134"/>
-          <p:cNvSpPr/>
+          <p:cNvSpPr>
+            <a:spLocks noGrp="1"/>
+          </p:cNvSpPr>
           <p:nvPr>
             <p:ph type="body" sz="quarter" idx="15"/>
           </p:nvPr>
@@ -1571,7 +1617,6 @@
             </a:lvl1pPr>
           </a:lstStyle>
           <a:p>
-            <a:pPr/>
             <a:r>
               <a:t>Johnny Appleseed</a:t>
             </a:r>
@@ -1581,7 +1626,9 @@
       <p:sp>
         <p:nvSpPr>
           <p:cNvPr id="135" name="Shape 135"/>
-          <p:cNvSpPr/>
+          <p:cNvSpPr>
+            <a:spLocks noGrp="1"/>
+          </p:cNvSpPr>
           <p:nvPr>
             <p:ph type="sldNum" sz="quarter" idx="2"/>
           </p:nvPr>
@@ -1595,8 +1642,10 @@
           <a:bodyPr/>
           <a:lstStyle/>
           <a:p>
-            <a:pPr/>
-            <a:fld id="{86CB4B4D-7CA3-9044-876B-883B54F8677D}" type="slidenum"/>
+            <a:fld id="{86CB4B4D-7CA3-9044-876B-883B54F8677D}" type="slidenum">
+              <a:t>‹#›</a:t>
+            </a:fld>
+            <a:endParaRPr/>
           </a:p>
         </p:txBody>
       </p:sp>
@@ -1605,18 +1654,19 @@
   <p:clrMapOvr>
     <a:masterClrMapping/>
   </p:clrMapOvr>
-  <p:transition xmlns:p14="http://schemas.microsoft.com/office/powerpoint/2010/main" spd="med" advClick="1"/>
+  <p:transition spd="med"/>
 </p:sldLayout>
 </file>
 
 <file path=ppt/slideLayouts/slideLayout14.xml><?xml version="1.0" encoding="utf-8"?>
-<p:sldLayout xmlns:a="http://schemas.openxmlformats.org/drawingml/2006/main" xmlns:r="http://schemas.openxmlformats.org/officeDocument/2006/relationships" xmlns:p="http://schemas.openxmlformats.org/presentationml/2006/main" type="tx" showMasterSp="0" showMasterPhAnim="1">
+<p:sldLayout xmlns:a="http://schemas.openxmlformats.org/drawingml/2006/main" xmlns:r="http://schemas.openxmlformats.org/officeDocument/2006/relationships" xmlns:p="http://schemas.openxmlformats.org/presentationml/2006/main" showMasterSp="0" type="tx">
   <p:cSld name="Photo">
     <p:bg>
       <p:bgPr>
         <a:solidFill>
           <a:srgbClr val="222222"/>
         </a:solidFill>
+        <a:effectLst/>
       </p:bgPr>
     </p:bg>
     <p:spTree>
@@ -1636,7 +1686,9 @@
       <p:sp>
         <p:nvSpPr>
           <p:cNvPr id="142" name="Shape 142"/>
-          <p:cNvSpPr/>
+          <p:cNvSpPr>
+            <a:spLocks noGrp="1"/>
+          </p:cNvSpPr>
           <p:nvPr>
             <p:ph type="pic" idx="13"/>
           </p:nvPr>
@@ -1656,14 +1708,16 @@
           </a:bodyPr>
           <a:lstStyle/>
           <a:p>
-            <a:pPr/>
+            <a:endParaRPr/>
           </a:p>
         </p:txBody>
       </p:sp>
       <p:sp>
         <p:nvSpPr>
           <p:cNvPr id="143" name="Shape 143"/>
-          <p:cNvSpPr/>
+          <p:cNvSpPr>
+            <a:spLocks noGrp="1"/>
+          </p:cNvSpPr>
           <p:nvPr>
             <p:ph type="sldNum" sz="quarter" idx="2"/>
           </p:nvPr>
@@ -1677,8 +1731,10 @@
           <a:bodyPr/>
           <a:lstStyle/>
           <a:p>
-            <a:pPr/>
-            <a:fld id="{86CB4B4D-7CA3-9044-876B-883B54F8677D}" type="slidenum"/>
+            <a:fld id="{86CB4B4D-7CA3-9044-876B-883B54F8677D}" type="slidenum">
+              <a:t>‹#›</a:t>
+            </a:fld>
+            <a:endParaRPr/>
           </a:p>
         </p:txBody>
       </p:sp>
@@ -1687,18 +1743,19 @@
   <p:clrMapOvr>
     <a:masterClrMapping/>
   </p:clrMapOvr>
-  <p:transition xmlns:p14="http://schemas.microsoft.com/office/powerpoint/2010/main" spd="med" advClick="1"/>
+  <p:transition spd="med"/>
 </p:sldLayout>
 </file>
 
 <file path=ppt/slideLayouts/slideLayout15.xml><?xml version="1.0" encoding="utf-8"?>
-<p:sldLayout xmlns:a="http://schemas.openxmlformats.org/drawingml/2006/main" xmlns:r="http://schemas.openxmlformats.org/officeDocument/2006/relationships" xmlns:p="http://schemas.openxmlformats.org/presentationml/2006/main" type="tx" showMasterSp="0" showMasterPhAnim="1">
+<p:sldLayout xmlns:a="http://schemas.openxmlformats.org/drawingml/2006/main" xmlns:r="http://schemas.openxmlformats.org/officeDocument/2006/relationships" xmlns:p="http://schemas.openxmlformats.org/presentationml/2006/main" showMasterSp="0" type="tx">
   <p:cSld name="Blank">
     <p:bg>
       <p:bgPr>
         <a:solidFill>
           <a:srgbClr val="222222"/>
         </a:solidFill>
+        <a:effectLst/>
       </p:bgPr>
     </p:bg>
     <p:spTree>
@@ -1718,7 +1775,9 @@
       <p:sp>
         <p:nvSpPr>
           <p:cNvPr id="150" name="Shape 150"/>
-          <p:cNvSpPr/>
+          <p:cNvSpPr>
+            <a:spLocks noGrp="1"/>
+          </p:cNvSpPr>
           <p:nvPr>
             <p:ph type="sldNum" sz="quarter" idx="2"/>
           </p:nvPr>
@@ -1732,8 +1791,10 @@
           <a:bodyPr/>
           <a:lstStyle/>
           <a:p>
-            <a:pPr/>
-            <a:fld id="{86CB4B4D-7CA3-9044-876B-883B54F8677D}" type="slidenum"/>
+            <a:fld id="{86CB4B4D-7CA3-9044-876B-883B54F8677D}" type="slidenum">
+              <a:t>‹#›</a:t>
+            </a:fld>
+            <a:endParaRPr/>
           </a:p>
         </p:txBody>
       </p:sp>
@@ -1742,12 +1803,12 @@
   <p:clrMapOvr>
     <a:masterClrMapping/>
   </p:clrMapOvr>
-  <p:transition xmlns:p14="http://schemas.microsoft.com/office/powerpoint/2010/main" spd="med" advClick="1"/>
+  <p:transition spd="med"/>
 </p:sldLayout>
 </file>
 
 <file path=ppt/slideLayouts/slideLayout16.xml><?xml version="1.0" encoding="utf-8"?>
-<p:sldLayout xmlns:a="http://schemas.openxmlformats.org/drawingml/2006/main" xmlns:r="http://schemas.openxmlformats.org/officeDocument/2006/relationships" xmlns:p="http://schemas.openxmlformats.org/presentationml/2006/main" type="tx" showMasterSp="0" showMasterPhAnim="1">
+<p:sldLayout xmlns:a="http://schemas.openxmlformats.org/drawingml/2006/main" xmlns:r="http://schemas.openxmlformats.org/officeDocument/2006/relationships" xmlns:p="http://schemas.openxmlformats.org/presentationml/2006/main" showMasterSp="0" type="tx">
   <p:cSld name="Blank Alt">
     <p:spTree>
       <p:nvGrpSpPr>
@@ -1766,7 +1827,9 @@
       <p:sp>
         <p:nvSpPr>
           <p:cNvPr id="157" name="Shape 157"/>
-          <p:cNvSpPr/>
+          <p:cNvSpPr>
+            <a:spLocks noGrp="1"/>
+          </p:cNvSpPr>
           <p:nvPr>
             <p:ph type="sldNum" sz="quarter" idx="2"/>
           </p:nvPr>
@@ -1780,8 +1843,10 @@
           <a:bodyPr/>
           <a:lstStyle/>
           <a:p>
-            <a:pPr/>
-            <a:fld id="{86CB4B4D-7CA3-9044-876B-883B54F8677D}" type="slidenum"/>
+            <a:fld id="{86CB4B4D-7CA3-9044-876B-883B54F8677D}" type="slidenum">
+              <a:t>‹#›</a:t>
+            </a:fld>
+            <a:endParaRPr/>
           </a:p>
         </p:txBody>
       </p:sp>
@@ -1790,18 +1855,19 @@
   <p:clrMapOvr>
     <a:masterClrMapping/>
   </p:clrMapOvr>
-  <p:transition xmlns:p14="http://schemas.microsoft.com/office/powerpoint/2010/main" spd="med" advClick="1"/>
+  <p:transition spd="med"/>
 </p:sldLayout>
 </file>
 
 <file path=ppt/slideLayouts/slideLayout2.xml><?xml version="1.0" encoding="utf-8"?>
-<p:sldLayout xmlns:a="http://schemas.openxmlformats.org/drawingml/2006/main" xmlns:r="http://schemas.openxmlformats.org/officeDocument/2006/relationships" xmlns:p="http://schemas.openxmlformats.org/presentationml/2006/main" type="tx" showMasterSp="0" showMasterPhAnim="1">
+<p:sldLayout xmlns:a="http://schemas.openxmlformats.org/drawingml/2006/main" xmlns:r="http://schemas.openxmlformats.org/officeDocument/2006/relationships" xmlns:p="http://schemas.openxmlformats.org/presentationml/2006/main" showMasterSp="0" type="tx">
   <p:cSld name="Photo - Horizontal">
     <p:bg>
       <p:bgPr>
         <a:solidFill>
           <a:srgbClr val="222222"/>
         </a:solidFill>
+        <a:effectLst/>
       </p:bgPr>
     </p:bg>
     <p:spTree>
@@ -1821,7 +1887,9 @@
       <p:sp>
         <p:nvSpPr>
           <p:cNvPr id="22" name="Shape 22"/>
-          <p:cNvSpPr/>
+          <p:cNvSpPr>
+            <a:spLocks noGrp="1"/>
+          </p:cNvSpPr>
           <p:nvPr>
             <p:ph type="pic" idx="13"/>
           </p:nvPr>
@@ -1841,14 +1909,16 @@
           </a:bodyPr>
           <a:lstStyle/>
           <a:p>
-            <a:pPr/>
+            <a:endParaRPr/>
           </a:p>
         </p:txBody>
       </p:sp>
       <p:sp>
         <p:nvSpPr>
           <p:cNvPr id="23" name="Shape 23"/>
-          <p:cNvSpPr/>
+          <p:cNvSpPr>
+            <a:spLocks noGrp="1"/>
+          </p:cNvSpPr>
           <p:nvPr>
             <p:ph type="body" sz="quarter" idx="14"/>
           </p:nvPr>
@@ -1891,13 +1961,16 @@
                 <a:sym typeface="Helvetica"/>
               </a:defRPr>
             </a:pPr>
+            <a:endParaRPr/>
           </a:p>
         </p:txBody>
       </p:sp>
       <p:sp>
         <p:nvSpPr>
           <p:cNvPr id="24" name="Shape 24"/>
-          <p:cNvSpPr/>
+          <p:cNvSpPr>
+            <a:spLocks noGrp="1"/>
+          </p:cNvSpPr>
           <p:nvPr>
             <p:ph type="title"/>
           </p:nvPr>
@@ -1922,7 +1995,6 @@
             </a:lvl1pPr>
           </a:lstStyle>
           <a:p>
-            <a:pPr/>
             <a:r>
               <a:t>Title Text</a:t>
             </a:r>
@@ -1932,7 +2004,9 @@
       <p:sp>
         <p:nvSpPr>
           <p:cNvPr id="25" name="Shape 25"/>
-          <p:cNvSpPr/>
+          <p:cNvSpPr>
+            <a:spLocks noGrp="1"/>
+          </p:cNvSpPr>
           <p:nvPr>
             <p:ph type="body" sz="quarter" idx="1"/>
           </p:nvPr>
@@ -1960,7 +2034,7 @@
               <a:buSzTx/>
               <a:buFontTx/>
               <a:buNone/>
-              <a:defRPr cap="all" sz="5400">
+              <a:defRPr sz="5400" cap="all">
                 <a:solidFill>
                   <a:srgbClr val="A6AAA9"/>
                 </a:solidFill>
@@ -1981,7 +2055,7 @@
               <a:buSzTx/>
               <a:buFontTx/>
               <a:buNone/>
-              <a:defRPr cap="all" sz="5400">
+              <a:defRPr sz="5400" cap="all">
                 <a:solidFill>
                   <a:srgbClr val="A6AAA9"/>
                 </a:solidFill>
@@ -2002,7 +2076,7 @@
               <a:buSzTx/>
               <a:buFontTx/>
               <a:buNone/>
-              <a:defRPr cap="all" sz="5400">
+              <a:defRPr sz="5400" cap="all">
                 <a:solidFill>
                   <a:srgbClr val="A6AAA9"/>
                 </a:solidFill>
@@ -2023,7 +2097,7 @@
               <a:buSzTx/>
               <a:buFontTx/>
               <a:buNone/>
-              <a:defRPr cap="all" sz="5400">
+              <a:defRPr sz="5400" cap="all">
                 <a:solidFill>
                   <a:srgbClr val="A6AAA9"/>
                 </a:solidFill>
@@ -2044,7 +2118,7 @@
               <a:buSzTx/>
               <a:buFontTx/>
               <a:buNone/>
-              <a:defRPr cap="all" sz="5400">
+              <a:defRPr sz="5400" cap="all">
                 <a:solidFill>
                   <a:srgbClr val="A6AAA9"/>
                 </a:solidFill>
@@ -2056,7 +2130,6 @@
             </a:lvl5pPr>
           </a:lstStyle>
           <a:p>
-            <a:pPr/>
             <a:r>
               <a:t>Body Level One</a:t>
             </a:r>
@@ -2090,7 +2163,9 @@
       <p:sp>
         <p:nvSpPr>
           <p:cNvPr id="26" name="Shape 26"/>
-          <p:cNvSpPr/>
+          <p:cNvSpPr>
+            <a:spLocks noGrp="1"/>
+          </p:cNvSpPr>
           <p:nvPr>
             <p:ph type="sldNum" sz="quarter" idx="2"/>
           </p:nvPr>
@@ -2108,8 +2183,10 @@
           <a:bodyPr/>
           <a:lstStyle/>
           <a:p>
-            <a:pPr/>
-            <a:fld id="{86CB4B4D-7CA3-9044-876B-883B54F8677D}" type="slidenum"/>
+            <a:fld id="{86CB4B4D-7CA3-9044-876B-883B54F8677D}" type="slidenum">
+              <a:t>‹#›</a:t>
+            </a:fld>
+            <a:endParaRPr/>
           </a:p>
         </p:txBody>
       </p:sp>
@@ -2118,12 +2195,12 @@
   <p:clrMapOvr>
     <a:masterClrMapping/>
   </p:clrMapOvr>
-  <p:transition xmlns:p14="http://schemas.microsoft.com/office/powerpoint/2010/main" spd="med" advClick="1"/>
+  <p:transition spd="med"/>
 </p:sldLayout>
 </file>
 
 <file path=ppt/slideLayouts/slideLayout3.xml><?xml version="1.0" encoding="utf-8"?>
-<p:sldLayout xmlns:a="http://schemas.openxmlformats.org/drawingml/2006/main" xmlns:r="http://schemas.openxmlformats.org/officeDocument/2006/relationships" xmlns:p="http://schemas.openxmlformats.org/presentationml/2006/main" type="tx" showMasterSp="0" showMasterPhAnim="1">
+<p:sldLayout xmlns:a="http://schemas.openxmlformats.org/drawingml/2006/main" xmlns:r="http://schemas.openxmlformats.org/officeDocument/2006/relationships" xmlns:p="http://schemas.openxmlformats.org/presentationml/2006/main" showMasterSp="0" type="tx">
   <p:cSld name="Title &amp; Subtitle Alt">
     <p:spTree>
       <p:nvGrpSpPr>
@@ -2178,13 +2255,16 @@
                 <a:sym typeface="Helvetica"/>
               </a:defRPr>
             </a:pPr>
+            <a:endParaRPr/>
           </a:p>
         </p:txBody>
       </p:sp>
       <p:sp>
         <p:nvSpPr>
           <p:cNvPr id="34" name="Shape 34"/>
-          <p:cNvSpPr/>
+          <p:cNvSpPr>
+            <a:spLocks noGrp="1"/>
+          </p:cNvSpPr>
           <p:nvPr>
             <p:ph type="title"/>
           </p:nvPr>
@@ -2209,7 +2289,6 @@
             </a:lvl1pPr>
           </a:lstStyle>
           <a:p>
-            <a:pPr/>
             <a:r>
               <a:t>Title Text</a:t>
             </a:r>
@@ -2219,7 +2298,9 @@
       <p:sp>
         <p:nvSpPr>
           <p:cNvPr id="35" name="Shape 35"/>
-          <p:cNvSpPr/>
+          <p:cNvSpPr>
+            <a:spLocks noGrp="1"/>
+          </p:cNvSpPr>
           <p:nvPr>
             <p:ph type="body" sz="quarter" idx="1"/>
           </p:nvPr>
@@ -2247,7 +2328,7 @@
               <a:buSzTx/>
               <a:buFontTx/>
               <a:buNone/>
-              <a:defRPr cap="all" sz="5400">
+              <a:defRPr sz="5400" cap="all">
                 <a:solidFill>
                   <a:srgbClr val="A6AAA9"/>
                 </a:solidFill>
@@ -2268,7 +2349,7 @@
               <a:buSzTx/>
               <a:buFontTx/>
               <a:buNone/>
-              <a:defRPr cap="all" sz="5400">
+              <a:defRPr sz="5400" cap="all">
                 <a:solidFill>
                   <a:srgbClr val="A6AAA9"/>
                 </a:solidFill>
@@ -2289,7 +2370,7 @@
               <a:buSzTx/>
               <a:buFontTx/>
               <a:buNone/>
-              <a:defRPr cap="all" sz="5400">
+              <a:defRPr sz="5400" cap="all">
                 <a:solidFill>
                   <a:srgbClr val="A6AAA9"/>
                 </a:solidFill>
@@ -2310,7 +2391,7 @@
               <a:buSzTx/>
               <a:buFontTx/>
               <a:buNone/>
-              <a:defRPr cap="all" sz="5400">
+              <a:defRPr sz="5400" cap="all">
                 <a:solidFill>
                   <a:srgbClr val="A6AAA9"/>
                 </a:solidFill>
@@ -2331,7 +2412,7 @@
               <a:buSzTx/>
               <a:buFontTx/>
               <a:buNone/>
-              <a:defRPr cap="all" sz="5400">
+              <a:defRPr sz="5400" cap="all">
                 <a:solidFill>
                   <a:srgbClr val="A6AAA9"/>
                 </a:solidFill>
@@ -2343,7 +2424,6 @@
             </a:lvl5pPr>
           </a:lstStyle>
           <a:p>
-            <a:pPr/>
             <a:r>
               <a:t>Body Level One</a:t>
             </a:r>
@@ -2377,7 +2457,9 @@
       <p:sp>
         <p:nvSpPr>
           <p:cNvPr id="36" name="Shape 36"/>
-          <p:cNvSpPr/>
+          <p:cNvSpPr>
+            <a:spLocks noGrp="1"/>
+          </p:cNvSpPr>
           <p:nvPr>
             <p:ph type="sldNum" sz="quarter" idx="2"/>
           </p:nvPr>
@@ -2395,8 +2477,10 @@
           <a:bodyPr/>
           <a:lstStyle/>
           <a:p>
-            <a:pPr/>
-            <a:fld id="{86CB4B4D-7CA3-9044-876B-883B54F8677D}" type="slidenum"/>
+            <a:fld id="{86CB4B4D-7CA3-9044-876B-883B54F8677D}" type="slidenum">
+              <a:t>‹#›</a:t>
+            </a:fld>
+            <a:endParaRPr/>
           </a:p>
         </p:txBody>
       </p:sp>
@@ -2405,18 +2489,19 @@
   <p:clrMapOvr>
     <a:masterClrMapping/>
   </p:clrMapOvr>
-  <p:transition xmlns:p14="http://schemas.microsoft.com/office/powerpoint/2010/main" spd="med" advClick="1"/>
+  <p:transition spd="med"/>
 </p:sldLayout>
 </file>
 
 <file path=ppt/slideLayouts/slideLayout4.xml><?xml version="1.0" encoding="utf-8"?>
-<p:sldLayout xmlns:a="http://schemas.openxmlformats.org/drawingml/2006/main" xmlns:r="http://schemas.openxmlformats.org/officeDocument/2006/relationships" xmlns:p="http://schemas.openxmlformats.org/presentationml/2006/main" type="tx" showMasterSp="0" showMasterPhAnim="1">
+<p:sldLayout xmlns:a="http://schemas.openxmlformats.org/drawingml/2006/main" xmlns:r="http://schemas.openxmlformats.org/officeDocument/2006/relationships" xmlns:p="http://schemas.openxmlformats.org/presentationml/2006/main" showMasterSp="0" type="tx">
   <p:cSld name="Title - Center">
     <p:bg>
       <p:bgPr>
         <a:solidFill>
           <a:srgbClr val="222222"/>
         </a:solidFill>
+        <a:effectLst/>
       </p:bgPr>
     </p:bg>
     <p:spTree>
@@ -2436,7 +2521,9 @@
       <p:sp>
         <p:nvSpPr>
           <p:cNvPr id="43" name="Shape 43"/>
-          <p:cNvSpPr/>
+          <p:cNvSpPr>
+            <a:spLocks noGrp="1"/>
+          </p:cNvSpPr>
           <p:nvPr>
             <p:ph type="title"/>
           </p:nvPr>
@@ -2461,7 +2548,6 @@
             </a:lvl1pPr>
           </a:lstStyle>
           <a:p>
-            <a:pPr/>
             <a:r>
               <a:t>Title Text</a:t>
             </a:r>
@@ -2471,7 +2557,9 @@
       <p:sp>
         <p:nvSpPr>
           <p:cNvPr id="44" name="Shape 44"/>
-          <p:cNvSpPr/>
+          <p:cNvSpPr>
+            <a:spLocks noGrp="1"/>
+          </p:cNvSpPr>
           <p:nvPr>
             <p:ph type="sldNum" sz="quarter" idx="2"/>
           </p:nvPr>
@@ -2489,8 +2577,10 @@
           <a:bodyPr/>
           <a:lstStyle/>
           <a:p>
-            <a:pPr/>
-            <a:fld id="{86CB4B4D-7CA3-9044-876B-883B54F8677D}" type="slidenum"/>
+            <a:fld id="{86CB4B4D-7CA3-9044-876B-883B54F8677D}" type="slidenum">
+              <a:t>‹#›</a:t>
+            </a:fld>
+            <a:endParaRPr/>
           </a:p>
         </p:txBody>
       </p:sp>
@@ -2499,18 +2589,19 @@
   <p:clrMapOvr>
     <a:masterClrMapping/>
   </p:clrMapOvr>
-  <p:transition xmlns:p14="http://schemas.microsoft.com/office/powerpoint/2010/main" spd="med" advClick="1"/>
+  <p:transition spd="med"/>
 </p:sldLayout>
 </file>
 
 <file path=ppt/slideLayouts/slideLayout5.xml><?xml version="1.0" encoding="utf-8"?>
-<p:sldLayout xmlns:a="http://schemas.openxmlformats.org/drawingml/2006/main" xmlns:r="http://schemas.openxmlformats.org/officeDocument/2006/relationships" xmlns:p="http://schemas.openxmlformats.org/presentationml/2006/main" type="tx" showMasterSp="0" showMasterPhAnim="1">
+<p:sldLayout xmlns:a="http://schemas.openxmlformats.org/drawingml/2006/main" xmlns:r="http://schemas.openxmlformats.org/officeDocument/2006/relationships" xmlns:p="http://schemas.openxmlformats.org/presentationml/2006/main" showMasterSp="0" type="tx">
   <p:cSld name="Photo - Vertical">
     <p:bg>
       <p:bgPr>
         <a:solidFill>
           <a:srgbClr val="222222"/>
         </a:solidFill>
+        <a:effectLst/>
       </p:bgPr>
     </p:bg>
     <p:spTree>
@@ -2566,13 +2657,16 @@
                 <a:sym typeface="Helvetica"/>
               </a:defRPr>
             </a:pPr>
+            <a:endParaRPr/>
           </a:p>
         </p:txBody>
       </p:sp>
       <p:sp>
         <p:nvSpPr>
           <p:cNvPr id="52" name="Shape 52"/>
-          <p:cNvSpPr/>
+          <p:cNvSpPr>
+            <a:spLocks noGrp="1"/>
+          </p:cNvSpPr>
           <p:nvPr>
             <p:ph type="pic" idx="13"/>
           </p:nvPr>
@@ -2592,14 +2686,16 @@
           </a:bodyPr>
           <a:lstStyle/>
           <a:p>
-            <a:pPr/>
+            <a:endParaRPr/>
           </a:p>
         </p:txBody>
       </p:sp>
       <p:sp>
         <p:nvSpPr>
           <p:cNvPr id="53" name="Shape 53"/>
-          <p:cNvSpPr/>
+          <p:cNvSpPr>
+            <a:spLocks noGrp="1"/>
+          </p:cNvSpPr>
           <p:nvPr>
             <p:ph type="title"/>
           </p:nvPr>
@@ -2624,7 +2720,6 @@
             </a:lvl1pPr>
           </a:lstStyle>
           <a:p>
-            <a:pPr/>
             <a:r>
               <a:t>Title Text</a:t>
             </a:r>
@@ -2634,7 +2729,9 @@
       <p:sp>
         <p:nvSpPr>
           <p:cNvPr id="54" name="Shape 54"/>
-          <p:cNvSpPr/>
+          <p:cNvSpPr>
+            <a:spLocks noGrp="1"/>
+          </p:cNvSpPr>
           <p:nvPr>
             <p:ph type="body" sz="quarter" idx="1"/>
           </p:nvPr>
@@ -2662,7 +2759,7 @@
               <a:buSzTx/>
               <a:buFontTx/>
               <a:buNone/>
-              <a:defRPr cap="all" sz="5400">
+              <a:defRPr sz="5400" cap="all">
                 <a:solidFill>
                   <a:srgbClr val="A6AAA9"/>
                 </a:solidFill>
@@ -2683,7 +2780,7 @@
               <a:buSzTx/>
               <a:buFontTx/>
               <a:buNone/>
-              <a:defRPr cap="all" sz="5400">
+              <a:defRPr sz="5400" cap="all">
                 <a:solidFill>
                   <a:srgbClr val="A6AAA9"/>
                 </a:solidFill>
@@ -2704,7 +2801,7 @@
               <a:buSzTx/>
               <a:buFontTx/>
               <a:buNone/>
-              <a:defRPr cap="all" sz="5400">
+              <a:defRPr sz="5400" cap="all">
                 <a:solidFill>
                   <a:srgbClr val="A6AAA9"/>
                 </a:solidFill>
@@ -2725,7 +2822,7 @@
               <a:buSzTx/>
               <a:buFontTx/>
               <a:buNone/>
-              <a:defRPr cap="all" sz="5400">
+              <a:defRPr sz="5400" cap="all">
                 <a:solidFill>
                   <a:srgbClr val="A6AAA9"/>
                 </a:solidFill>
@@ -2746,7 +2843,7 @@
               <a:buSzTx/>
               <a:buFontTx/>
               <a:buNone/>
-              <a:defRPr cap="all" sz="5400">
+              <a:defRPr sz="5400" cap="all">
                 <a:solidFill>
                   <a:srgbClr val="A6AAA9"/>
                 </a:solidFill>
@@ -2758,7 +2855,6 @@
             </a:lvl5pPr>
           </a:lstStyle>
           <a:p>
-            <a:pPr/>
             <a:r>
               <a:t>Body Level One</a:t>
             </a:r>
@@ -2792,7 +2888,9 @@
       <p:sp>
         <p:nvSpPr>
           <p:cNvPr id="55" name="Shape 55"/>
-          <p:cNvSpPr/>
+          <p:cNvSpPr>
+            <a:spLocks noGrp="1"/>
+          </p:cNvSpPr>
           <p:nvPr>
             <p:ph type="sldNum" sz="quarter" idx="2"/>
           </p:nvPr>
@@ -2810,8 +2908,10 @@
           <a:bodyPr/>
           <a:lstStyle/>
           <a:p>
-            <a:pPr/>
-            <a:fld id="{86CB4B4D-7CA3-9044-876B-883B54F8677D}" type="slidenum"/>
+            <a:fld id="{86CB4B4D-7CA3-9044-876B-883B54F8677D}" type="slidenum">
+              <a:t>‹#›</a:t>
+            </a:fld>
+            <a:endParaRPr/>
           </a:p>
         </p:txBody>
       </p:sp>
@@ -2820,12 +2920,12 @@
   <p:clrMapOvr>
     <a:masterClrMapping/>
   </p:clrMapOvr>
-  <p:transition xmlns:p14="http://schemas.microsoft.com/office/powerpoint/2010/main" spd="med" advClick="1"/>
+  <p:transition spd="med"/>
 </p:sldLayout>
 </file>
 
 <file path=ppt/slideLayouts/slideLayout6.xml><?xml version="1.0" encoding="utf-8"?>
-<p:sldLayout xmlns:a="http://schemas.openxmlformats.org/drawingml/2006/main" xmlns:r="http://schemas.openxmlformats.org/officeDocument/2006/relationships" xmlns:p="http://schemas.openxmlformats.org/presentationml/2006/main" type="tx" showMasterSp="1" showMasterPhAnim="1">
+<p:sldLayout xmlns:a="http://schemas.openxmlformats.org/drawingml/2006/main" xmlns:r="http://schemas.openxmlformats.org/officeDocument/2006/relationships" xmlns:p="http://schemas.openxmlformats.org/presentationml/2006/main" type="tx">
   <p:cSld name="Title - Top">
     <p:spTree>
       <p:nvGrpSpPr>
@@ -2844,7 +2944,9 @@
       <p:sp>
         <p:nvSpPr>
           <p:cNvPr id="62" name="Shape 62"/>
-          <p:cNvSpPr/>
+          <p:cNvSpPr>
+            <a:spLocks noGrp="1"/>
+          </p:cNvSpPr>
           <p:nvPr>
             <p:ph type="body" sz="quarter" idx="13"/>
           </p:nvPr>
@@ -2874,7 +2976,7 @@
               <a:buSzTx/>
               <a:buFontTx/>
               <a:buNone/>
-              <a:defRPr cap="all" spc="120" sz="2400">
+              <a:defRPr sz="2400" cap="all" spc="120">
                 <a:latin typeface="DIN Alternate"/>
                 <a:ea typeface="DIN Alternate"/>
                 <a:cs typeface="DIN Alternate"/>
@@ -2883,7 +2985,6 @@
             </a:lvl1pPr>
           </a:lstStyle>
           <a:p>
-            <a:pPr/>
             <a:r>
               <a:t>Text</a:t>
             </a:r>
@@ -2893,7 +2994,9 @@
       <p:sp>
         <p:nvSpPr>
           <p:cNvPr id="63" name="Shape 63"/>
-          <p:cNvSpPr/>
+          <p:cNvSpPr>
+            <a:spLocks noGrp="1"/>
+          </p:cNvSpPr>
           <p:nvPr>
             <p:ph type="title"/>
           </p:nvPr>
@@ -2907,7 +3010,6 @@
           <a:bodyPr/>
           <a:lstStyle/>
           <a:p>
-            <a:pPr/>
             <a:r>
               <a:t>Title Text</a:t>
             </a:r>
@@ -2917,7 +3019,9 @@
       <p:sp>
         <p:nvSpPr>
           <p:cNvPr id="64" name="Shape 64"/>
-          <p:cNvSpPr/>
+          <p:cNvSpPr>
+            <a:spLocks noGrp="1"/>
+          </p:cNvSpPr>
           <p:nvPr>
             <p:ph type="sldNum" sz="quarter" idx="2"/>
           </p:nvPr>
@@ -2931,8 +3035,10 @@
           <a:bodyPr/>
           <a:lstStyle/>
           <a:p>
-            <a:pPr/>
-            <a:fld id="{86CB4B4D-7CA3-9044-876B-883B54F8677D}" type="slidenum"/>
+            <a:fld id="{86CB4B4D-7CA3-9044-876B-883B54F8677D}" type="slidenum">
+              <a:t>‹#›</a:t>
+            </a:fld>
+            <a:endParaRPr/>
           </a:p>
         </p:txBody>
       </p:sp>
@@ -2941,18 +3047,19 @@
   <p:clrMapOvr>
     <a:masterClrMapping/>
   </p:clrMapOvr>
-  <p:transition xmlns:p14="http://schemas.microsoft.com/office/powerpoint/2010/main" spd="med" advClick="1"/>
+  <p:transition spd="med"/>
 </p:sldLayout>
 </file>
 
 <file path=ppt/slideLayouts/slideLayout7.xml><?xml version="1.0" encoding="utf-8"?>
-<p:sldLayout xmlns:a="http://schemas.openxmlformats.org/drawingml/2006/main" xmlns:r="http://schemas.openxmlformats.org/officeDocument/2006/relationships" xmlns:p="http://schemas.openxmlformats.org/presentationml/2006/main" type="tx" showMasterSp="1" showMasterPhAnim="1">
+<p:sldLayout xmlns:a="http://schemas.openxmlformats.org/drawingml/2006/main" xmlns:r="http://schemas.openxmlformats.org/officeDocument/2006/relationships" xmlns:p="http://schemas.openxmlformats.org/presentationml/2006/main" type="tx">
   <p:cSld name="Title &amp; Bullets">
     <p:bg>
       <p:bgPr>
         <a:solidFill>
           <a:srgbClr val="222222"/>
         </a:solidFill>
+        <a:effectLst/>
       </p:bgPr>
     </p:bg>
     <p:spTree>
@@ -2972,7 +3079,9 @@
       <p:sp>
         <p:nvSpPr>
           <p:cNvPr id="71" name="Shape 71"/>
-          <p:cNvSpPr/>
+          <p:cNvSpPr>
+            <a:spLocks noGrp="1"/>
+          </p:cNvSpPr>
           <p:nvPr>
             <p:ph type="body" sz="quarter" idx="13"/>
           </p:nvPr>
@@ -3002,7 +3111,7 @@
               <a:buSzTx/>
               <a:buFontTx/>
               <a:buNone/>
-              <a:defRPr cap="all" spc="120" sz="2400">
+              <a:defRPr sz="2400" cap="all" spc="120">
                 <a:latin typeface="DIN Alternate"/>
                 <a:ea typeface="DIN Alternate"/>
                 <a:cs typeface="DIN Alternate"/>
@@ -3011,7 +3120,6 @@
             </a:lvl1pPr>
           </a:lstStyle>
           <a:p>
-            <a:pPr/>
             <a:r>
               <a:t>Text</a:t>
             </a:r>
@@ -3021,7 +3129,9 @@
       <p:sp>
         <p:nvSpPr>
           <p:cNvPr id="72" name="Shape 72"/>
-          <p:cNvSpPr/>
+          <p:cNvSpPr>
+            <a:spLocks noGrp="1"/>
+          </p:cNvSpPr>
           <p:nvPr>
             <p:ph type="title"/>
           </p:nvPr>
@@ -3035,7 +3145,6 @@
           <a:bodyPr/>
           <a:lstStyle/>
           <a:p>
-            <a:pPr/>
             <a:r>
               <a:t>Title Text</a:t>
             </a:r>
@@ -3045,7 +3154,9 @@
       <p:sp>
         <p:nvSpPr>
           <p:cNvPr id="73" name="Shape 73"/>
-          <p:cNvSpPr/>
+          <p:cNvSpPr>
+            <a:spLocks noGrp="1"/>
+          </p:cNvSpPr>
           <p:nvPr>
             <p:ph type="body" idx="1"/>
           </p:nvPr>
@@ -3090,7 +3201,6 @@
             </a:lvl5pPr>
           </a:lstStyle>
           <a:p>
-            <a:pPr/>
             <a:r>
               <a:t>Body Level One</a:t>
             </a:r>
@@ -3124,7 +3234,9 @@
       <p:sp>
         <p:nvSpPr>
           <p:cNvPr id="74" name="Shape 74"/>
-          <p:cNvSpPr/>
+          <p:cNvSpPr>
+            <a:spLocks noGrp="1"/>
+          </p:cNvSpPr>
           <p:nvPr>
             <p:ph type="sldNum" sz="quarter" idx="2"/>
           </p:nvPr>
@@ -3138,8 +3250,10 @@
           <a:bodyPr/>
           <a:lstStyle/>
           <a:p>
-            <a:pPr/>
-            <a:fld id="{86CB4B4D-7CA3-9044-876B-883B54F8677D}" type="slidenum"/>
+            <a:fld id="{86CB4B4D-7CA3-9044-876B-883B54F8677D}" type="slidenum">
+              <a:t>‹#›</a:t>
+            </a:fld>
+            <a:endParaRPr/>
           </a:p>
         </p:txBody>
       </p:sp>
@@ -3148,12 +3262,12 @@
   <p:clrMapOvr>
     <a:masterClrMapping/>
   </p:clrMapOvr>
-  <p:transition xmlns:p14="http://schemas.microsoft.com/office/powerpoint/2010/main" spd="med" advClick="1"/>
+  <p:transition spd="med"/>
 </p:sldLayout>
 </file>
 
 <file path=ppt/slideLayouts/slideLayout8.xml><?xml version="1.0" encoding="utf-8"?>
-<p:sldLayout xmlns:a="http://schemas.openxmlformats.org/drawingml/2006/main" xmlns:r="http://schemas.openxmlformats.org/officeDocument/2006/relationships" xmlns:p="http://schemas.openxmlformats.org/presentationml/2006/main" type="tx" showMasterSp="1" showMasterPhAnim="1">
+<p:sldLayout xmlns:a="http://schemas.openxmlformats.org/drawingml/2006/main" xmlns:r="http://schemas.openxmlformats.org/officeDocument/2006/relationships" xmlns:p="http://schemas.openxmlformats.org/presentationml/2006/main" type="tx">
   <p:cSld name="Title &amp; Bullets Alt">
     <p:spTree>
       <p:nvGrpSpPr>
@@ -3172,7 +3286,9 @@
       <p:sp>
         <p:nvSpPr>
           <p:cNvPr id="81" name="Shape 81"/>
-          <p:cNvSpPr/>
+          <p:cNvSpPr>
+            <a:spLocks noGrp="1"/>
+          </p:cNvSpPr>
           <p:nvPr>
             <p:ph type="body" sz="quarter" idx="13"/>
           </p:nvPr>
@@ -3202,7 +3318,7 @@
               <a:buSzTx/>
               <a:buFontTx/>
               <a:buNone/>
-              <a:defRPr cap="all" spc="120" sz="2400">
+              <a:defRPr sz="2400" cap="all" spc="120">
                 <a:latin typeface="DIN Alternate"/>
                 <a:ea typeface="DIN Alternate"/>
                 <a:cs typeface="DIN Alternate"/>
@@ -3211,7 +3327,6 @@
             </a:lvl1pPr>
           </a:lstStyle>
           <a:p>
-            <a:pPr/>
             <a:r>
               <a:t>Text</a:t>
             </a:r>
@@ -3221,7 +3336,9 @@
       <p:sp>
         <p:nvSpPr>
           <p:cNvPr id="82" name="Shape 82"/>
-          <p:cNvSpPr/>
+          <p:cNvSpPr>
+            <a:spLocks noGrp="1"/>
+          </p:cNvSpPr>
           <p:nvPr>
             <p:ph type="title"/>
           </p:nvPr>
@@ -3235,7 +3352,6 @@
           <a:bodyPr/>
           <a:lstStyle/>
           <a:p>
-            <a:pPr/>
             <a:r>
               <a:t>Title Text</a:t>
             </a:r>
@@ -3245,7 +3361,9 @@
       <p:sp>
         <p:nvSpPr>
           <p:cNvPr id="83" name="Shape 83"/>
-          <p:cNvSpPr/>
+          <p:cNvSpPr>
+            <a:spLocks noGrp="1"/>
+          </p:cNvSpPr>
           <p:nvPr>
             <p:ph type="body" idx="1"/>
           </p:nvPr>
@@ -3290,7 +3408,6 @@
             </a:lvl5pPr>
           </a:lstStyle>
           <a:p>
-            <a:pPr/>
             <a:r>
               <a:t>Body Level One</a:t>
             </a:r>
@@ -3324,7 +3441,9 @@
       <p:sp>
         <p:nvSpPr>
           <p:cNvPr id="84" name="Shape 84"/>
-          <p:cNvSpPr/>
+          <p:cNvSpPr>
+            <a:spLocks noGrp="1"/>
+          </p:cNvSpPr>
           <p:nvPr>
             <p:ph type="sldNum" sz="quarter" idx="2"/>
           </p:nvPr>
@@ -3338,8 +3457,10 @@
           <a:bodyPr/>
           <a:lstStyle/>
           <a:p>
-            <a:pPr/>
-            <a:fld id="{86CB4B4D-7CA3-9044-876B-883B54F8677D}" type="slidenum"/>
+            <a:fld id="{86CB4B4D-7CA3-9044-876B-883B54F8677D}" type="slidenum">
+              <a:t>‹#›</a:t>
+            </a:fld>
+            <a:endParaRPr/>
           </a:p>
         </p:txBody>
       </p:sp>
@@ -3348,18 +3469,19 @@
   <p:clrMapOvr>
     <a:masterClrMapping/>
   </p:clrMapOvr>
-  <p:transition xmlns:p14="http://schemas.microsoft.com/office/powerpoint/2010/main" spd="med" advClick="1"/>
+  <p:transition spd="med"/>
 </p:sldLayout>
 </file>
 
 <file path=ppt/slideLayouts/slideLayout9.xml><?xml version="1.0" encoding="utf-8"?>
-<p:sldLayout xmlns:a="http://schemas.openxmlformats.org/drawingml/2006/main" xmlns:r="http://schemas.openxmlformats.org/officeDocument/2006/relationships" xmlns:p="http://schemas.openxmlformats.org/presentationml/2006/main" type="tx" showMasterSp="1" showMasterPhAnim="1">
+<p:sldLayout xmlns:a="http://schemas.openxmlformats.org/drawingml/2006/main" xmlns:r="http://schemas.openxmlformats.org/officeDocument/2006/relationships" xmlns:p="http://schemas.openxmlformats.org/presentationml/2006/main" type="tx">
   <p:cSld name="Title, Bullets &amp; Photo">
     <p:bg>
       <p:bgPr>
         <a:solidFill>
           <a:srgbClr val="222222"/>
         </a:solidFill>
+        <a:effectLst/>
       </p:bgPr>
     </p:bg>
     <p:spTree>
@@ -3379,7 +3501,9 @@
       <p:sp>
         <p:nvSpPr>
           <p:cNvPr id="91" name="Shape 91"/>
-          <p:cNvSpPr/>
+          <p:cNvSpPr>
+            <a:spLocks noGrp="1"/>
+          </p:cNvSpPr>
           <p:nvPr>
             <p:ph type="body" sz="quarter" idx="13"/>
           </p:nvPr>
@@ -3409,7 +3533,7 @@
               <a:buSzTx/>
               <a:buFontTx/>
               <a:buNone/>
-              <a:defRPr cap="all" spc="120" sz="2400">
+              <a:defRPr sz="2400" cap="all" spc="120">
                 <a:latin typeface="DIN Alternate"/>
                 <a:ea typeface="DIN Alternate"/>
                 <a:cs typeface="DIN Alternate"/>
@@ -3418,7 +3542,6 @@
             </a:lvl1pPr>
           </a:lstStyle>
           <a:p>
-            <a:pPr/>
             <a:r>
               <a:t>Text</a:t>
             </a:r>
@@ -3428,7 +3551,9 @@
       <p:sp>
         <p:nvSpPr>
           <p:cNvPr id="92" name="Shape 92"/>
-          <p:cNvSpPr/>
+          <p:cNvSpPr>
+            <a:spLocks noGrp="1"/>
+          </p:cNvSpPr>
           <p:nvPr>
             <p:ph type="pic" sz="half" idx="14"/>
           </p:nvPr>
@@ -3448,14 +3573,16 @@
           </a:bodyPr>
           <a:lstStyle/>
           <a:p>
-            <a:pPr/>
+            <a:endParaRPr/>
           </a:p>
         </p:txBody>
       </p:sp>
       <p:sp>
         <p:nvSpPr>
           <p:cNvPr id="93" name="Shape 93"/>
-          <p:cNvSpPr/>
+          <p:cNvSpPr>
+            <a:spLocks noGrp="1"/>
+          </p:cNvSpPr>
           <p:nvPr>
             <p:ph type="title"/>
           </p:nvPr>
@@ -3473,7 +3600,6 @@
           <a:bodyPr/>
           <a:lstStyle/>
           <a:p>
-            <a:pPr/>
             <a:r>
               <a:t>Title Text</a:t>
             </a:r>
@@ -3483,7 +3609,9 @@
       <p:sp>
         <p:nvSpPr>
           <p:cNvPr id="94" name="Shape 94"/>
-          <p:cNvSpPr/>
+          <p:cNvSpPr>
+            <a:spLocks noGrp="1"/>
+          </p:cNvSpPr>
           <p:nvPr>
             <p:ph type="body" sz="half" idx="1"/>
           </p:nvPr>
@@ -3537,7 +3665,6 @@
             </a:lvl5pPr>
           </a:lstStyle>
           <a:p>
-            <a:pPr/>
             <a:r>
               <a:t>Body Level One</a:t>
             </a:r>
@@ -3571,7 +3698,9 @@
       <p:sp>
         <p:nvSpPr>
           <p:cNvPr id="95" name="Shape 95"/>
-          <p:cNvSpPr/>
+          <p:cNvSpPr>
+            <a:spLocks noGrp="1"/>
+          </p:cNvSpPr>
           <p:nvPr>
             <p:ph type="sldNum" sz="quarter" idx="2"/>
           </p:nvPr>
@@ -3585,8 +3714,10 @@
           <a:bodyPr/>
           <a:lstStyle/>
           <a:p>
-            <a:pPr/>
-            <a:fld id="{86CB4B4D-7CA3-9044-876B-883B54F8677D}" type="slidenum"/>
+            <a:fld id="{86CB4B4D-7CA3-9044-876B-883B54F8677D}" type="slidenum">
+              <a:t>‹#›</a:t>
+            </a:fld>
+            <a:endParaRPr/>
           </a:p>
         </p:txBody>
       </p:sp>
@@ -3595,7 +3726,7 @@
   <p:clrMapOvr>
     <a:masterClrMapping/>
   </p:clrMapOvr>
-  <p:transition xmlns:p14="http://schemas.microsoft.com/office/powerpoint/2010/main" spd="med" advClick="1"/>
+  <p:transition spd="med"/>
 </p:sldLayout>
 </file>
 
@@ -3607,6 +3738,7 @@
         <a:solidFill>
           <a:srgbClr val="FFFFFF"/>
         </a:solidFill>
+        <a:effectLst/>
       </p:bgPr>
     </p:bg>
     <p:spTree>
@@ -3662,13 +3794,16 @@
                 <a:sym typeface="Helvetica"/>
               </a:defRPr>
             </a:pPr>
+            <a:endParaRPr/>
           </a:p>
         </p:txBody>
       </p:sp>
       <p:sp>
         <p:nvSpPr>
           <p:cNvPr id="3" name="Shape 3"/>
-          <p:cNvSpPr/>
+          <p:cNvSpPr>
+            <a:spLocks noGrp="1"/>
+          </p:cNvSpPr>
           <p:nvPr>
             <p:ph type="title"/>
           </p:nvPr>
@@ -3686,17 +3821,16 @@
           </a:ln>
           <a:extLst>
             <a:ext uri="{C572A759-6A51-4108-AA02-DFA0A04FC94B}">
-              <ma14:wrappingTextBoxFlag xmlns:ma14="http://schemas.microsoft.com/office/mac/drawingml/2011/main" val="1"/>
+              <ma14:wrappingTextBoxFlag xmlns:ma14="http://schemas.microsoft.com/office/mac/drawingml/2011/main" xmlns="" val="1"/>
             </a:ext>
           </a:extLst>
         </p:spPr>
         <p:txBody>
           <a:bodyPr lIns="50800" tIns="50800" rIns="50800" bIns="50800">
-            <a:normAutofit fontScale="100000" lnSpcReduction="0"/>
+            <a:normAutofit/>
           </a:bodyPr>
           <a:lstStyle/>
           <a:p>
-            <a:pPr/>
             <a:r>
               <a:t>Title Text</a:t>
             </a:r>
@@ -3706,7 +3840,9 @@
       <p:sp>
         <p:nvSpPr>
           <p:cNvPr id="4" name="Shape 4"/>
-          <p:cNvSpPr/>
+          <p:cNvSpPr>
+            <a:spLocks noGrp="1"/>
+          </p:cNvSpPr>
           <p:nvPr>
             <p:ph type="body" idx="1"/>
           </p:nvPr>
@@ -3724,17 +3860,16 @@
           </a:ln>
           <a:extLst>
             <a:ext uri="{C572A759-6A51-4108-AA02-DFA0A04FC94B}">
-              <ma14:wrappingTextBoxFlag xmlns:ma14="http://schemas.microsoft.com/office/mac/drawingml/2011/main" val="1"/>
+              <ma14:wrappingTextBoxFlag xmlns:ma14="http://schemas.microsoft.com/office/mac/drawingml/2011/main" xmlns="" val="1"/>
             </a:ext>
           </a:extLst>
         </p:spPr>
         <p:txBody>
           <a:bodyPr lIns="50800" tIns="50800" rIns="50800" bIns="50800">
-            <a:normAutofit fontScale="100000" lnSpcReduction="0"/>
+            <a:normAutofit/>
           </a:bodyPr>
           <a:lstStyle/>
           <a:p>
-            <a:pPr/>
             <a:r>
               <a:t>Body Level One</a:t>
             </a:r>
@@ -3768,7 +3903,9 @@
       <p:sp>
         <p:nvSpPr>
           <p:cNvPr id="5" name="Shape 5"/>
-          <p:cNvSpPr/>
+          <p:cNvSpPr>
+            <a:spLocks noGrp="1"/>
+          </p:cNvSpPr>
           <p:nvPr>
             <p:ph type="sldNum" sz="quarter" idx="2"/>
           </p:nvPr>
@@ -3806,8 +3943,10 @@
             </a:lvl1pPr>
           </a:lstStyle>
           <a:p>
-            <a:pPr/>
-            <a:fld id="{86CB4B4D-7CA3-9044-876B-883B54F8677D}" type="slidenum"/>
+            <a:fld id="{86CB4B4D-7CA3-9044-876B-883B54F8677D}" type="slidenum">
+              <a:t>‹#›</a:t>
+            </a:fld>
+            <a:endParaRPr/>
           </a:p>
         </p:txBody>
       </p:sp>
@@ -3815,24 +3954,24 @@
   </p:cSld>
   <p:clrMap bg1="dk1" tx1="lt1" bg2="dk2" tx2="lt2" accent1="accent1" accent2="accent2" accent3="accent3" accent4="accent4" accent5="accent5" accent6="accent6" hlink="hlink" folHlink="folHlink"/>
   <p:sldLayoutIdLst>
-    <p:sldLayoutId id="2147483649" r:id="rId2"/>
-    <p:sldLayoutId id="2147483650" r:id="rId3"/>
-    <p:sldLayoutId id="2147483651" r:id="rId4"/>
-    <p:sldLayoutId id="2147483652" r:id="rId5"/>
-    <p:sldLayoutId id="2147483653" r:id="rId6"/>
-    <p:sldLayoutId id="2147483654" r:id="rId7"/>
-    <p:sldLayoutId id="2147483655" r:id="rId8"/>
-    <p:sldLayoutId id="2147483656" r:id="rId9"/>
-    <p:sldLayoutId id="2147483657" r:id="rId10"/>
-    <p:sldLayoutId id="2147483658" r:id="rId11"/>
-    <p:sldLayoutId id="2147483659" r:id="rId12"/>
-    <p:sldLayoutId id="2147483660" r:id="rId13"/>
-    <p:sldLayoutId id="2147483661" r:id="rId14"/>
-    <p:sldLayoutId id="2147483662" r:id="rId15"/>
-    <p:sldLayoutId id="2147483663" r:id="rId16"/>
-    <p:sldLayoutId id="2147483664" r:id="rId17"/>
+    <p:sldLayoutId id="2147483649" r:id="rId1"/>
+    <p:sldLayoutId id="2147483650" r:id="rId2"/>
+    <p:sldLayoutId id="2147483651" r:id="rId3"/>
+    <p:sldLayoutId id="2147483652" r:id="rId4"/>
+    <p:sldLayoutId id="2147483653" r:id="rId5"/>
+    <p:sldLayoutId id="2147483654" r:id="rId6"/>
+    <p:sldLayoutId id="2147483655" r:id="rId7"/>
+    <p:sldLayoutId id="2147483656" r:id="rId8"/>
+    <p:sldLayoutId id="2147483657" r:id="rId9"/>
+    <p:sldLayoutId id="2147483658" r:id="rId10"/>
+    <p:sldLayoutId id="2147483659" r:id="rId11"/>
+    <p:sldLayoutId id="2147483660" r:id="rId12"/>
+    <p:sldLayoutId id="2147483661" r:id="rId13"/>
+    <p:sldLayoutId id="2147483662" r:id="rId14"/>
+    <p:sldLayoutId id="2147483663" r:id="rId15"/>
+    <p:sldLayoutId id="2147483664" r:id="rId16"/>
   </p:sldLayoutIdLst>
-  <p:transition xmlns:p14="http://schemas.microsoft.com/office/powerpoint/2010/main" spd="med" advClick="1"/>
+  <p:transition spd="med"/>
   <p:txStyles>
     <p:titleStyle>
       <a:lvl1pPr marL="0" marR="0" indent="0" algn="l" defTabSz="584200" rtl="0" latinLnBrk="0">
@@ -3850,7 +3989,7 @@
         <a:buFontTx/>
         <a:buNone/>
         <a:tabLst/>
-        <a:defRPr b="0" baseline="0" cap="all" i="0" spc="0" strike="noStrike" sz="6000" u="none">
+        <a:defRPr sz="6000" b="0" i="0" u="none" strike="noStrike" cap="all" spc="0" baseline="0">
           <a:ln>
             <a:noFill/>
           </a:ln>
@@ -3879,7 +4018,7 @@
         <a:buFontTx/>
         <a:buNone/>
         <a:tabLst/>
-        <a:defRPr b="0" baseline="0" cap="all" i="0" spc="0" strike="noStrike" sz="6000" u="none">
+        <a:defRPr sz="6000" b="0" i="0" u="none" strike="noStrike" cap="all" spc="0" baseline="0">
           <a:ln>
             <a:noFill/>
           </a:ln>
@@ -3908,7 +4047,7 @@
         <a:buFontTx/>
         <a:buNone/>
         <a:tabLst/>
-        <a:defRPr b="0" baseline="0" cap="all" i="0" spc="0" strike="noStrike" sz="6000" u="none">
+        <a:defRPr sz="6000" b="0" i="0" u="none" strike="noStrike" cap="all" spc="0" baseline="0">
           <a:ln>
             <a:noFill/>
           </a:ln>
@@ -3937,7 +4076,7 @@
         <a:buFontTx/>
         <a:buNone/>
         <a:tabLst/>
-        <a:defRPr b="0" baseline="0" cap="all" i="0" spc="0" strike="noStrike" sz="6000" u="none">
+        <a:defRPr sz="6000" b="0" i="0" u="none" strike="noStrike" cap="all" spc="0" baseline="0">
           <a:ln>
             <a:noFill/>
           </a:ln>
@@ -3966,7 +4105,7 @@
         <a:buFontTx/>
         <a:buNone/>
         <a:tabLst/>
-        <a:defRPr b="0" baseline="0" cap="all" i="0" spc="0" strike="noStrike" sz="6000" u="none">
+        <a:defRPr sz="6000" b="0" i="0" u="none" strike="noStrike" cap="all" spc="0" baseline="0">
           <a:ln>
             <a:noFill/>
           </a:ln>
@@ -3995,7 +4134,7 @@
         <a:buFontTx/>
         <a:buNone/>
         <a:tabLst/>
-        <a:defRPr b="0" baseline="0" cap="all" i="0" spc="0" strike="noStrike" sz="6000" u="none">
+        <a:defRPr sz="6000" b="0" i="0" u="none" strike="noStrike" cap="all" spc="0" baseline="0">
           <a:ln>
             <a:noFill/>
           </a:ln>
@@ -4024,7 +4163,7 @@
         <a:buFontTx/>
         <a:buNone/>
         <a:tabLst/>
-        <a:defRPr b="0" baseline="0" cap="all" i="0" spc="0" strike="noStrike" sz="6000" u="none">
+        <a:defRPr sz="6000" b="0" i="0" u="none" strike="noStrike" cap="all" spc="0" baseline="0">
           <a:ln>
             <a:noFill/>
           </a:ln>
@@ -4053,7 +4192,7 @@
         <a:buFontTx/>
         <a:buNone/>
         <a:tabLst/>
-        <a:defRPr b="0" baseline="0" cap="all" i="0" spc="0" strike="noStrike" sz="6000" u="none">
+        <a:defRPr sz="6000" b="0" i="0" u="none" strike="noStrike" cap="all" spc="0" baseline="0">
           <a:ln>
             <a:noFill/>
           </a:ln>
@@ -4082,7 +4221,7 @@
         <a:buFontTx/>
         <a:buNone/>
         <a:tabLst/>
-        <a:defRPr b="0" baseline="0" cap="all" i="0" spc="0" strike="noStrike" sz="6000" u="none">
+        <a:defRPr sz="6000" b="0" i="0" u="none" strike="noStrike" cap="all" spc="0" baseline="0">
           <a:ln>
             <a:noFill/>
           </a:ln>
@@ -4117,7 +4256,7 @@
         <a:buFont typeface="Avenir Next"/>
         <a:buChar char="‣"/>
         <a:tabLst/>
-        <a:defRPr b="0" baseline="0" cap="none" i="0" spc="0" strike="noStrike" sz="3400" u="none">
+        <a:defRPr sz="3400" b="0" i="0" u="none" strike="noStrike" cap="none" spc="0" baseline="0">
           <a:ln>
             <a:noFill/>
           </a:ln>
@@ -4150,7 +4289,7 @@
         <a:buFont typeface="Avenir Next"/>
         <a:buChar char="‣"/>
         <a:tabLst/>
-        <a:defRPr b="0" baseline="0" cap="none" i="0" spc="0" strike="noStrike" sz="3400" u="none">
+        <a:defRPr sz="3400" b="0" i="0" u="none" strike="noStrike" cap="none" spc="0" baseline="0">
           <a:ln>
             <a:noFill/>
           </a:ln>
@@ -4183,7 +4322,7 @@
         <a:buFont typeface="Avenir Next"/>
         <a:buChar char="‣"/>
         <a:tabLst/>
-        <a:defRPr b="0" baseline="0" cap="none" i="0" spc="0" strike="noStrike" sz="3400" u="none">
+        <a:defRPr sz="3400" b="0" i="0" u="none" strike="noStrike" cap="none" spc="0" baseline="0">
           <a:ln>
             <a:noFill/>
           </a:ln>
@@ -4216,7 +4355,7 @@
         <a:buFont typeface="Avenir Next"/>
         <a:buChar char="‣"/>
         <a:tabLst/>
-        <a:defRPr b="0" baseline="0" cap="none" i="0" spc="0" strike="noStrike" sz="3400" u="none">
+        <a:defRPr sz="3400" b="0" i="0" u="none" strike="noStrike" cap="none" spc="0" baseline="0">
           <a:ln>
             <a:noFill/>
           </a:ln>
@@ -4249,7 +4388,7 @@
         <a:buFont typeface="Avenir Next"/>
         <a:buChar char="‣"/>
         <a:tabLst/>
-        <a:defRPr b="0" baseline="0" cap="none" i="0" spc="0" strike="noStrike" sz="3400" u="none">
+        <a:defRPr sz="3400" b="0" i="0" u="none" strike="noStrike" cap="none" spc="0" baseline="0">
           <a:ln>
             <a:noFill/>
           </a:ln>
@@ -4282,7 +4421,7 @@
         <a:buFont typeface="Avenir Next"/>
         <a:buChar char="‣"/>
         <a:tabLst/>
-        <a:defRPr b="0" baseline="0" cap="none" i="0" spc="0" strike="noStrike" sz="3400" u="none">
+        <a:defRPr sz="3400" b="0" i="0" u="none" strike="noStrike" cap="none" spc="0" baseline="0">
           <a:ln>
             <a:noFill/>
           </a:ln>
@@ -4315,7 +4454,7 @@
         <a:buFont typeface="Avenir Next"/>
         <a:buChar char="‣"/>
         <a:tabLst/>
-        <a:defRPr b="0" baseline="0" cap="none" i="0" spc="0" strike="noStrike" sz="3400" u="none">
+        <a:defRPr sz="3400" b="0" i="0" u="none" strike="noStrike" cap="none" spc="0" baseline="0">
           <a:ln>
             <a:noFill/>
           </a:ln>
@@ -4348,7 +4487,7 @@
         <a:buFont typeface="Avenir Next"/>
         <a:buChar char="‣"/>
         <a:tabLst/>
-        <a:defRPr b="0" baseline="0" cap="none" i="0" spc="0" strike="noStrike" sz="3400" u="none">
+        <a:defRPr sz="3400" b="0" i="0" u="none" strike="noStrike" cap="none" spc="0" baseline="0">
           <a:ln>
             <a:noFill/>
           </a:ln>
@@ -4381,7 +4520,7 @@
         <a:buFont typeface="Avenir Next"/>
         <a:buChar char="‣"/>
         <a:tabLst/>
-        <a:defRPr b="0" baseline="0" cap="none" i="0" spc="0" strike="noStrike" sz="3400" u="none">
+        <a:defRPr sz="3400" b="0" i="0" u="none" strike="noStrike" cap="none" spc="0" baseline="0">
           <a:ln>
             <a:noFill/>
           </a:ln>
@@ -4412,7 +4551,7 @@
         <a:buFontTx/>
         <a:buNone/>
         <a:tabLst/>
-        <a:defRPr b="0" baseline="0" cap="none" i="0" spc="0" strike="noStrike" sz="2400" u="none">
+        <a:defRPr sz="2400" b="0" i="0" u="none" strike="noStrike" cap="none" spc="0" baseline="0">
           <a:ln>
             <a:noFill/>
           </a:ln>
@@ -4441,7 +4580,7 @@
         <a:buFontTx/>
         <a:buNone/>
         <a:tabLst/>
-        <a:defRPr b="0" baseline="0" cap="none" i="0" spc="0" strike="noStrike" sz="2400" u="none">
+        <a:defRPr sz="2400" b="0" i="0" u="none" strike="noStrike" cap="none" spc="0" baseline="0">
           <a:ln>
             <a:noFill/>
           </a:ln>
@@ -4470,7 +4609,7 @@
         <a:buFontTx/>
         <a:buNone/>
         <a:tabLst/>
-        <a:defRPr b="0" baseline="0" cap="none" i="0" spc="0" strike="noStrike" sz="2400" u="none">
+        <a:defRPr sz="2400" b="0" i="0" u="none" strike="noStrike" cap="none" spc="0" baseline="0">
           <a:ln>
             <a:noFill/>
           </a:ln>
@@ -4499,7 +4638,7 @@
         <a:buFontTx/>
         <a:buNone/>
         <a:tabLst/>
-        <a:defRPr b="0" baseline="0" cap="none" i="0" spc="0" strike="noStrike" sz="2400" u="none">
+        <a:defRPr sz="2400" b="0" i="0" u="none" strike="noStrike" cap="none" spc="0" baseline="0">
           <a:ln>
             <a:noFill/>
           </a:ln>
@@ -4528,7 +4667,7 @@
         <a:buFontTx/>
         <a:buNone/>
         <a:tabLst/>
-        <a:defRPr b="0" baseline="0" cap="none" i="0" spc="0" strike="noStrike" sz="2400" u="none">
+        <a:defRPr sz="2400" b="0" i="0" u="none" strike="noStrike" cap="none" spc="0" baseline="0">
           <a:ln>
             <a:noFill/>
           </a:ln>
@@ -4557,7 +4696,7 @@
         <a:buFontTx/>
         <a:buNone/>
         <a:tabLst/>
-        <a:defRPr b="0" baseline="0" cap="none" i="0" spc="0" strike="noStrike" sz="2400" u="none">
+        <a:defRPr sz="2400" b="0" i="0" u="none" strike="noStrike" cap="none" spc="0" baseline="0">
           <a:ln>
             <a:noFill/>
           </a:ln>
@@ -4586,7 +4725,7 @@
         <a:buFontTx/>
         <a:buNone/>
         <a:tabLst/>
-        <a:defRPr b="0" baseline="0" cap="none" i="0" spc="0" strike="noStrike" sz="2400" u="none">
+        <a:defRPr sz="2400" b="0" i="0" u="none" strike="noStrike" cap="none" spc="0" baseline="0">
           <a:ln>
             <a:noFill/>
           </a:ln>
@@ -4615,7 +4754,7 @@
         <a:buFontTx/>
         <a:buNone/>
         <a:tabLst/>
-        <a:defRPr b="0" baseline="0" cap="none" i="0" spc="0" strike="noStrike" sz="2400" u="none">
+        <a:defRPr sz="2400" b="0" i="0" u="none" strike="noStrike" cap="none" spc="0" baseline="0">
           <a:ln>
             <a:noFill/>
           </a:ln>
@@ -4644,7 +4783,7 @@
         <a:buFontTx/>
         <a:buNone/>
         <a:tabLst/>
-        <a:defRPr b="0" baseline="0" cap="none" i="0" spc="0" strike="noStrike" sz="2400" u="none">
+        <a:defRPr sz="2400" b="0" i="0" u="none" strike="noStrike" cap="none" spc="0" baseline="0">
           <a:ln>
             <a:noFill/>
           </a:ln>
@@ -4664,7 +4803,7 @@
 </file>
 
 <file path=ppt/slides/slide1.xml><?xml version="1.0" encoding="utf-8"?>
-<p:sld xmlns:a="http://schemas.openxmlformats.org/drawingml/2006/main" xmlns:r="http://schemas.openxmlformats.org/officeDocument/2006/relationships" xmlns:p="http://schemas.openxmlformats.org/presentationml/2006/main" showMasterSp="1" showMasterPhAnim="1">
+<p:sld xmlns:a="http://schemas.openxmlformats.org/drawingml/2006/main" xmlns:r="http://schemas.openxmlformats.org/officeDocument/2006/relationships" xmlns:p="http://schemas.openxmlformats.org/presentationml/2006/main">
   <p:cSld>
     <p:spTree>
       <p:nvGrpSpPr>
@@ -4683,7 +4822,9 @@
       <p:sp>
         <p:nvSpPr>
           <p:cNvPr id="166" name="Shape 166"/>
-          <p:cNvSpPr/>
+          <p:cNvSpPr>
+            <a:spLocks noGrp="1"/>
+          </p:cNvSpPr>
           <p:nvPr>
             <p:ph type="ctrTitle"/>
           </p:nvPr>
@@ -4694,11 +4835,13 @@
           </a:prstGeom>
         </p:spPr>
         <p:txBody>
-          <a:bodyPr/>
+          <a:bodyPr>
+            <a:noAutofit/>
+          </a:bodyPr>
           <a:lstStyle/>
           <a:p>
-            <a:pPr/>
-            <a:r>
+            <a:r>
+              <a:rPr sz="11800" dirty="0"/>
               <a:t>Misadventure</a:t>
             </a:r>
           </a:p>
@@ -4707,7 +4850,9 @@
       <p:sp>
         <p:nvSpPr>
           <p:cNvPr id="167" name="Shape 167"/>
-          <p:cNvSpPr/>
+          <p:cNvSpPr>
+            <a:spLocks noGrp="1"/>
+          </p:cNvSpPr>
           <p:nvPr>
             <p:ph type="subTitle" sz="quarter" idx="1"/>
           </p:nvPr>
@@ -4721,7 +4866,6 @@
           <a:bodyPr/>
           <a:lstStyle/>
           <a:p>
-            <a:pPr/>
             <a:r>
               <a:t>Group 22</a:t>
             </a:r>
@@ -4754,7 +4898,7 @@
             <a:blip r:embed="rId2">
               <a:extLst/>
             </a:blip>
-            <a:srcRect l="0" t="0" r="0" b="0"/>
+            <a:srcRect/>
             <a:stretch>
               <a:fillRect/>
             </a:stretch>
@@ -4775,9 +4919,9 @@
         </p:pic>
         <p:pic>
           <p:nvPicPr>
-            <p:cNvPr id="168" name=""/>
+            <p:cNvPr id="168" name="Picture 167"/>
             <p:cNvPicPr>
-              <a:picLocks noChangeAspect="0"/>
+              <a:picLocks/>
             </p:cNvPicPr>
             <p:nvPr/>
           </p:nvPicPr>
@@ -4806,12 +4950,12 @@
   <p:clrMapOvr>
     <a:masterClrMapping/>
   </p:clrMapOvr>
-  <p:transition xmlns:p14="http://schemas.microsoft.com/office/powerpoint/2010/main" spd="med" advClick="1"/>
+  <p:transition spd="med"/>
 </p:sld>
 </file>
 
 <file path=ppt/slides/slide2.xml><?xml version="1.0" encoding="utf-8"?>
-<p:sld xmlns:a="http://schemas.openxmlformats.org/drawingml/2006/main" xmlns:r="http://schemas.openxmlformats.org/officeDocument/2006/relationships" xmlns:p="http://schemas.openxmlformats.org/presentationml/2006/main" showMasterSp="1" showMasterPhAnim="1">
+<p:sld xmlns:a="http://schemas.openxmlformats.org/drawingml/2006/main" xmlns:r="http://schemas.openxmlformats.org/officeDocument/2006/relationships" xmlns:p="http://schemas.openxmlformats.org/presentationml/2006/main">
   <p:cSld>
     <p:spTree>
       <p:nvGrpSpPr>
@@ -4830,7 +4974,9 @@
       <p:sp>
         <p:nvSpPr>
           <p:cNvPr id="172" name="Shape 172"/>
-          <p:cNvSpPr/>
+          <p:cNvSpPr>
+            <a:spLocks noGrp="1"/>
+          </p:cNvSpPr>
           <p:nvPr>
             <p:ph type="title"/>
           </p:nvPr>
@@ -4841,15 +4987,17 @@
           </a:prstGeom>
         </p:spPr>
         <p:txBody>
-          <a:bodyPr/>
+          <a:bodyPr>
+            <a:noAutofit/>
+          </a:bodyPr>
           <a:lstStyle>
             <a:lvl1pPr defTabSz="566674">
               <a:defRPr sz="16490"/>
             </a:lvl1pPr>
           </a:lstStyle>
           <a:p>
-            <a:pPr/>
-            <a:r>
+            <a:r>
+              <a:rPr sz="9600" dirty="0"/>
               <a:t>Planning</a:t>
             </a:r>
           </a:p>
@@ -4858,7 +5006,9 @@
       <p:sp>
         <p:nvSpPr>
           <p:cNvPr id="173" name="Shape 173"/>
-          <p:cNvSpPr/>
+          <p:cNvSpPr>
+            <a:spLocks noGrp="1"/>
+          </p:cNvSpPr>
           <p:nvPr>
             <p:ph type="body" sz="quarter" idx="1"/>
           </p:nvPr>
@@ -4869,7 +5019,9 @@
           </a:prstGeom>
         </p:spPr>
         <p:txBody>
-          <a:bodyPr/>
+          <a:bodyPr>
+            <a:normAutofit lnSpcReduction="10000"/>
+          </a:bodyPr>
           <a:lstStyle>
             <a:lvl1pPr defTabSz="309625">
               <a:spcBef>
@@ -4879,7 +5031,6 @@
             </a:lvl1pPr>
           </a:lstStyle>
           <a:p>
-            <a:pPr/>
             <a:r>
               <a:t>To begin we created a map of the game including how it is possible to win the game and the routes that must be taken in order to succeed.</a:t>
             </a:r>
@@ -4920,12 +5071,12 @@
   <p:clrMapOvr>
     <a:masterClrMapping/>
   </p:clrMapOvr>
-  <p:transition xmlns:p14="http://schemas.microsoft.com/office/powerpoint/2010/main" spd="med" advClick="1" p14:dur="1000"/>
+  <p:transition spd="slow"/>
 </p:sld>
 </file>
 
 <file path=ppt/slides/slide3.xml><?xml version="1.0" encoding="utf-8"?>
-<p:sld xmlns:a="http://schemas.openxmlformats.org/drawingml/2006/main" xmlns:r="http://schemas.openxmlformats.org/officeDocument/2006/relationships" xmlns:p="http://schemas.openxmlformats.org/presentationml/2006/main" showMasterSp="1" showMasterPhAnim="1">
+<p:sld xmlns:a="http://schemas.openxmlformats.org/drawingml/2006/main" xmlns:r="http://schemas.openxmlformats.org/officeDocument/2006/relationships" xmlns:p="http://schemas.openxmlformats.org/presentationml/2006/main">
   <p:cSld>
     <p:spTree>
       <p:nvGrpSpPr>
@@ -4944,7 +5095,9 @@
       <p:sp>
         <p:nvSpPr>
           <p:cNvPr id="176" name="Shape 176"/>
-          <p:cNvSpPr/>
+          <p:cNvSpPr>
+            <a:spLocks noGrp="1"/>
+          </p:cNvSpPr>
           <p:nvPr>
             <p:ph type="title"/>
           </p:nvPr>
@@ -4955,15 +5108,17 @@
           </a:prstGeom>
         </p:spPr>
         <p:txBody>
-          <a:bodyPr/>
+          <a:bodyPr>
+            <a:noAutofit/>
+          </a:bodyPr>
           <a:lstStyle>
             <a:lvl1pPr defTabSz="560831">
               <a:defRPr sz="16320"/>
             </a:lvl1pPr>
           </a:lstStyle>
           <a:p>
-            <a:pPr/>
-            <a:r>
+            <a:r>
+              <a:rPr sz="9600" dirty="0"/>
               <a:t>Map code</a:t>
             </a:r>
           </a:p>
@@ -4972,7 +5127,9 @@
       <p:sp>
         <p:nvSpPr>
           <p:cNvPr id="177" name="Shape 177"/>
-          <p:cNvSpPr/>
+          <p:cNvSpPr>
+            <a:spLocks noGrp="1"/>
+          </p:cNvSpPr>
           <p:nvPr>
             <p:ph type="body" sz="quarter" idx="1"/>
           </p:nvPr>
@@ -4983,7 +5140,9 @@
           </a:prstGeom>
         </p:spPr>
         <p:txBody>
-          <a:bodyPr/>
+          <a:bodyPr>
+            <a:normAutofit fontScale="92500" lnSpcReduction="10000"/>
+          </a:bodyPr>
           <a:lstStyle>
             <a:lvl1pPr defTabSz="438150">
               <a:spcBef>
@@ -4993,7 +5152,6 @@
             </a:lvl1pPr>
           </a:lstStyle>
           <a:p>
-            <a:pPr/>
             <a:r>
               <a:t>We created the code for the map first which is the template of the game.</a:t>
             </a:r>
@@ -5034,12 +5192,12 @@
   <p:clrMapOvr>
     <a:masterClrMapping/>
   </p:clrMapOvr>
-  <p:transition xmlns:p14="http://schemas.microsoft.com/office/powerpoint/2010/main" spd="med" advClick="1" p14:dur="1000"/>
+  <p:transition spd="slow"/>
 </p:sld>
 </file>
 
 <file path=ppt/slides/slide4.xml><?xml version="1.0" encoding="utf-8"?>
-<p:sld xmlns:a="http://schemas.openxmlformats.org/drawingml/2006/main" xmlns:r="http://schemas.openxmlformats.org/officeDocument/2006/relationships" xmlns:p="http://schemas.openxmlformats.org/presentationml/2006/main" showMasterSp="1" showMasterPhAnim="1">
+<p:sld xmlns:a="http://schemas.openxmlformats.org/drawingml/2006/main" xmlns:r="http://schemas.openxmlformats.org/officeDocument/2006/relationships" xmlns:p="http://schemas.openxmlformats.org/presentationml/2006/main">
   <p:cSld>
     <p:spTree>
       <p:nvGrpSpPr>
@@ -5058,7 +5216,9 @@
       <p:sp>
         <p:nvSpPr>
           <p:cNvPr id="180" name="Shape 180"/>
-          <p:cNvSpPr/>
+          <p:cNvSpPr>
+            <a:spLocks noGrp="1"/>
+          </p:cNvSpPr>
           <p:nvPr>
             <p:ph type="title"/>
           </p:nvPr>
@@ -5069,15 +5229,17 @@
           </a:prstGeom>
         </p:spPr>
         <p:txBody>
-          <a:bodyPr/>
+          <a:bodyPr>
+            <a:normAutofit/>
+          </a:bodyPr>
           <a:lstStyle>
             <a:lvl1pPr defTabSz="350520">
               <a:defRPr sz="10200"/>
             </a:lvl1pPr>
           </a:lstStyle>
           <a:p>
-            <a:pPr/>
-            <a:r>
+            <a:r>
+              <a:rPr sz="8800" dirty="0"/>
               <a:t>Inventory code</a:t>
             </a:r>
           </a:p>
@@ -5086,7 +5248,9 @@
       <p:sp>
         <p:nvSpPr>
           <p:cNvPr id="181" name="Shape 181"/>
-          <p:cNvSpPr/>
+          <p:cNvSpPr>
+            <a:spLocks noGrp="1"/>
+          </p:cNvSpPr>
           <p:nvPr>
             <p:ph type="body" sz="quarter" idx="1"/>
           </p:nvPr>
@@ -5107,7 +5271,6 @@
             </a:lvl1pPr>
           </a:lstStyle>
           <a:p>
-            <a:pPr/>
             <a:r>
               <a:t>We then created an inventory of items for the player to use and are essential to win the game</a:t>
             </a:r>
@@ -5148,12 +5311,12 @@
   <p:clrMapOvr>
     <a:masterClrMapping/>
   </p:clrMapOvr>
-  <p:transition xmlns:p14="http://schemas.microsoft.com/office/powerpoint/2010/main" spd="med" advClick="1" p14:dur="1000"/>
+  <p:transition spd="slow"/>
 </p:sld>
 </file>
 
 <file path=ppt/slides/slide5.xml><?xml version="1.0" encoding="utf-8"?>
-<p:sld xmlns:a="http://schemas.openxmlformats.org/drawingml/2006/main" xmlns:r="http://schemas.openxmlformats.org/officeDocument/2006/relationships" xmlns:p="http://schemas.openxmlformats.org/presentationml/2006/main" showMasterSp="1" showMasterPhAnim="1">
+<p:sld xmlns:a="http://schemas.openxmlformats.org/drawingml/2006/main" xmlns:r="http://schemas.openxmlformats.org/officeDocument/2006/relationships" xmlns:p="http://schemas.openxmlformats.org/presentationml/2006/main">
   <p:cSld>
     <p:spTree>
       <p:nvGrpSpPr>
@@ -5172,7 +5335,9 @@
       <p:sp>
         <p:nvSpPr>
           <p:cNvPr id="184" name="Shape 184"/>
-          <p:cNvSpPr/>
+          <p:cNvSpPr>
+            <a:spLocks noGrp="1"/>
+          </p:cNvSpPr>
           <p:nvPr>
             <p:ph type="body" idx="13"/>
           </p:nvPr>
@@ -5186,7 +5351,6 @@
           <a:bodyPr/>
           <a:lstStyle/>
           <a:p>
-            <a:pPr/>
             <a:r>
               <a:t>group 22</a:t>
             </a:r>
@@ -5196,7 +5360,9 @@
       <p:sp>
         <p:nvSpPr>
           <p:cNvPr id="185" name="Shape 185"/>
-          <p:cNvSpPr/>
+          <p:cNvSpPr>
+            <a:spLocks noGrp="1"/>
+          </p:cNvSpPr>
           <p:nvPr>
             <p:ph type="title"/>
           </p:nvPr>
@@ -5217,7 +5383,6 @@
             </a:lvl1pPr>
           </a:lstStyle>
           <a:p>
-            <a:pPr/>
             <a:r>
               <a:t>Intentions of the game</a:t>
             </a:r>
@@ -5227,7 +5392,9 @@
       <p:sp>
         <p:nvSpPr>
           <p:cNvPr id="186" name="Shape 186"/>
-          <p:cNvSpPr/>
+          <p:cNvSpPr>
+            <a:spLocks noGrp="1"/>
+          </p:cNvSpPr>
           <p:nvPr>
             <p:ph type="body" idx="1"/>
           </p:nvPr>
@@ -5241,13 +5408,11 @@
           <a:bodyPr/>
           <a:lstStyle/>
           <a:p>
-            <a:pPr/>
             <a:r>
               <a:t>Your task is to defeat the many obstacles that face you using cunning and counter intuition in order to exit the dungeon!</a:t>
             </a:r>
           </a:p>
           <a:p>
-            <a:pPr/>
             <a:r>
               <a:t>Keep an eye out for easter eggs they are more obvious than they seem!</a:t>
             </a:r>
@@ -5259,12 +5424,12 @@
   <p:clrMapOvr>
     <a:masterClrMapping/>
   </p:clrMapOvr>
-  <p:transition xmlns:p14="http://schemas.microsoft.com/office/powerpoint/2010/main" spd="med" advClick="1" p14:dur="1000"/>
+  <p:transition spd="slow"/>
 </p:sld>
 </file>
 
 <file path=ppt/slides/slide6.xml><?xml version="1.0" encoding="utf-8"?>
-<p:sld xmlns:a="http://schemas.openxmlformats.org/drawingml/2006/main" xmlns:r="http://schemas.openxmlformats.org/officeDocument/2006/relationships" xmlns:p="http://schemas.openxmlformats.org/presentationml/2006/main" showMasterSp="1" showMasterPhAnim="1">
+<p:sld xmlns:a="http://schemas.openxmlformats.org/drawingml/2006/main" xmlns:r="http://schemas.openxmlformats.org/officeDocument/2006/relationships" xmlns:p="http://schemas.openxmlformats.org/presentationml/2006/main">
   <p:cSld>
     <p:spTree>
       <p:nvGrpSpPr>
@@ -5283,7 +5448,9 @@
       <p:sp>
         <p:nvSpPr>
           <p:cNvPr id="188" name="Shape 188"/>
-          <p:cNvSpPr/>
+          <p:cNvSpPr>
+            <a:spLocks noGrp="1"/>
+          </p:cNvSpPr>
           <p:nvPr>
             <p:ph type="body" idx="13"/>
           </p:nvPr>
@@ -5297,7 +5464,6 @@
           <a:bodyPr/>
           <a:lstStyle/>
           <a:p>
-            <a:pPr/>
             <a:r>
               <a:t>Group 22</a:t>
             </a:r>
@@ -5307,7 +5473,9 @@
       <p:sp>
         <p:nvSpPr>
           <p:cNvPr id="189" name="Shape 189"/>
-          <p:cNvSpPr/>
+          <p:cNvSpPr>
+            <a:spLocks noGrp="1"/>
+          </p:cNvSpPr>
           <p:nvPr>
             <p:ph type="title"/>
           </p:nvPr>
@@ -5328,7 +5496,6 @@
             </a:lvl1pPr>
           </a:lstStyle>
           <a:p>
-            <a:pPr/>
             <a:r>
               <a:t>Why buy the game?</a:t>
             </a:r>
@@ -5338,7 +5505,9 @@
       <p:sp>
         <p:nvSpPr>
           <p:cNvPr id="190" name="Shape 190"/>
-          <p:cNvSpPr/>
+          <p:cNvSpPr>
+            <a:spLocks noGrp="1"/>
+          </p:cNvSpPr>
           <p:nvPr>
             <p:ph type="body" idx="1"/>
           </p:nvPr>
@@ -5352,13 +5521,11 @@
           <a:bodyPr/>
           <a:lstStyle/>
           <a:p>
-            <a:pPr/>
             <a:r>
               <a:t>This replay-able game with multiple endings is addictive and can absorb your attention for hours. </a:t>
             </a:r>
           </a:p>
           <a:p>
-            <a:pPr/>
             <a:r>
               <a:t>The game allows for the users imagination to take control of the game and how the story will play out. </a:t>
             </a:r>
@@ -5370,12 +5537,12 @@
   <p:clrMapOvr>
     <a:masterClrMapping/>
   </p:clrMapOvr>
-  <p:transition xmlns:p14="http://schemas.microsoft.com/office/powerpoint/2010/main" spd="med" advClick="1" p14:dur="1000"/>
+  <p:transition spd="slow"/>
 </p:sld>
 </file>
 
 <file path=ppt/slides/slide7.xml><?xml version="1.0" encoding="utf-8"?>
-<p:sld xmlns:a="http://schemas.openxmlformats.org/drawingml/2006/main" xmlns:r="http://schemas.openxmlformats.org/officeDocument/2006/relationships" xmlns:p="http://schemas.openxmlformats.org/presentationml/2006/main" showMasterSp="1" showMasterPhAnim="1">
+<p:sld xmlns:a="http://schemas.openxmlformats.org/drawingml/2006/main" xmlns:r="http://schemas.openxmlformats.org/officeDocument/2006/relationships" xmlns:p="http://schemas.openxmlformats.org/presentationml/2006/main">
   <p:cSld>
     <p:spTree>
       <p:nvGrpSpPr>
@@ -5394,7 +5561,9 @@
       <p:sp>
         <p:nvSpPr>
           <p:cNvPr id="192" name="Shape 192"/>
-          <p:cNvSpPr/>
+          <p:cNvSpPr>
+            <a:spLocks noGrp="1"/>
+          </p:cNvSpPr>
           <p:nvPr>
             <p:ph type="ctrTitle"/>
           </p:nvPr>
@@ -5405,16 +5574,46 @@
           </a:prstGeom>
         </p:spPr>
         <p:txBody>
-          <a:bodyPr/>
+          <a:bodyPr>
+            <a:noAutofit/>
+          </a:bodyPr>
           <a:lstStyle>
             <a:lvl1pPr defTabSz="303783">
               <a:defRPr sz="8839"/>
             </a:lvl1pPr>
           </a:lstStyle>
           <a:p>
-            <a:pPr/>
-            <a:r>
-              <a:t>James,dervla,sam,Alastair,luca,natalie, nick + mystery man</a:t>
+            <a:r>
+              <a:rPr sz="7200" dirty="0" err="1"/>
+              <a:t>James,dervla,sam</a:t>
+            </a:r>
+            <a:r>
+              <a:rPr sz="7200" dirty="0"/>
+              <a:t>,</a:t>
+            </a:r>
+            <a:r>
+              <a:rPr lang="en-GB" sz="7200" dirty="0"/>
+              <a:t> </a:t>
+            </a:r>
+            <a:r>
+              <a:rPr sz="7200" dirty="0" err="1"/>
+              <a:t>Alastair,luca</a:t>
+            </a:r>
+            <a:r>
+              <a:rPr sz="7200" dirty="0"/>
+              <a:t>,</a:t>
+            </a:r>
+            <a:r>
+              <a:rPr lang="en-GB" sz="7200" dirty="0"/>
+              <a:t> </a:t>
+            </a:r>
+            <a:r>
+              <a:rPr sz="7200" dirty="0" err="1"/>
+              <a:t>natalie</a:t>
+            </a:r>
+            <a:r>
+              <a:rPr sz="7200" dirty="0"/>
+              <a:t>, nick + mystery man</a:t>
             </a:r>
           </a:p>
         </p:txBody>
@@ -5422,7 +5621,9 @@
       <p:sp>
         <p:nvSpPr>
           <p:cNvPr id="193" name="Shape 193"/>
-          <p:cNvSpPr/>
+          <p:cNvSpPr>
+            <a:spLocks noGrp="1"/>
+          </p:cNvSpPr>
           <p:nvPr>
             <p:ph type="subTitle" sz="quarter" idx="1"/>
           </p:nvPr>
@@ -5436,24 +5637,53 @@
           <a:bodyPr/>
           <a:lstStyle/>
           <a:p>
-            <a:pPr/>
             <a:r>
               <a:t>Group 22</a:t>
             </a:r>
           </a:p>
         </p:txBody>
       </p:sp>
+      <p:pic>
+        <p:nvPicPr>
+          <p:cNvPr id="2" name="Picture 1"/>
+          <p:cNvPicPr>
+            <a:picLocks noChangeAspect="1"/>
+          </p:cNvPicPr>
+          <p:nvPr/>
+        </p:nvPicPr>
+        <p:blipFill>
+          <a:blip r:embed="rId2">
+            <a:extLst>
+              <a:ext uri="{28A0092B-C50C-407E-A947-70E740481C1C}">
+                <a14:useLocalDpi xmlns:a14="http://schemas.microsoft.com/office/drawing/2010/main" val="0"/>
+              </a:ext>
+            </a:extLst>
+          </a:blip>
+          <a:stretch>
+            <a:fillRect/>
+          </a:stretch>
+        </p:blipFill>
+        <p:spPr>
+          <a:xfrm>
+            <a:off x="4458747" y="222519"/>
+            <a:ext cx="4086163" cy="5010952"/>
+          </a:xfrm>
+          <a:prstGeom prst="rect">
+            <a:avLst/>
+          </a:prstGeom>
+        </p:spPr>
+      </p:pic>
     </p:spTree>
   </p:cSld>
   <p:clrMapOvr>
     <a:masterClrMapping/>
   </p:clrMapOvr>
-  <p:transition xmlns:p14="http://schemas.microsoft.com/office/powerpoint/2010/main" spd="med" advClick="1" p14:dur="1000"/>
+  <p:transition spd="slow"/>
 </p:sld>
 </file>
 
 <file path=ppt/theme/theme1.xml><?xml version="1.0" encoding="utf-8"?>
-<a:theme xmlns:a="http://schemas.openxmlformats.org/drawingml/2006/main" xmlns:r="http://schemas.openxmlformats.org/officeDocument/2006/relationships" name="New_Template7">
+<a:theme xmlns:a="http://schemas.openxmlformats.org/drawingml/2006/main" name="New_Template7">
   <a:themeElements>
     <a:clrScheme name="New_Template7">
       <a:dk1>
@@ -5652,7 +5882,7 @@
         <a:effectLst/>
         <a:sp3d/>
       </a:spPr>
-      <a:bodyPr rot="0" spcFirstLastPara="1" vertOverflow="overflow" horzOverflow="overflow" vert="horz" wrap="square" lIns="50800" tIns="50800" rIns="50800" bIns="50800" numCol="1" spcCol="38100" rtlCol="0" anchor="ctr" upright="0">
+      <a:bodyPr rot="0" spcFirstLastPara="1" vertOverflow="overflow" horzOverflow="overflow" vert="horz" wrap="square" lIns="50800" tIns="50800" rIns="50800" bIns="50800" numCol="1" spcCol="38100" rtlCol="0" anchor="ctr">
         <a:spAutoFit/>
       </a:bodyPr>
       <a:lstStyle>
@@ -5671,7 +5901,7 @@
           <a:buFontTx/>
           <a:buNone/>
           <a:tabLst/>
-          <a:defRPr b="0" baseline="0" cap="all" i="0" spc="0" strike="noStrike" sz="2800" u="none" kumimoji="0" normalizeH="0">
+          <a:defRPr kumimoji="0" sz="2800" b="0" i="0" u="none" strike="noStrike" cap="all" spc="0" normalizeH="0" baseline="0">
             <a:ln>
               <a:noFill/>
             </a:ln>
@@ -5701,7 +5931,7 @@
           <a:buFontTx/>
           <a:buNone/>
           <a:tabLst/>
-          <a:defRPr b="0" baseline="0" cap="none" i="0" spc="0" strike="noStrike" sz="1800" u="none" kumimoji="0" normalizeH="0">
+          <a:defRPr kumimoji="0" sz="1800" b="0" i="0" u="none" strike="noStrike" cap="none" spc="0" normalizeH="0" baseline="0">
             <a:ln>
               <a:noFill/>
             </a:ln>
@@ -5727,7 +5957,7 @@
           <a:buFontTx/>
           <a:buNone/>
           <a:tabLst/>
-          <a:defRPr b="0" baseline="0" cap="none" i="0" spc="0" strike="noStrike" sz="1800" u="none" kumimoji="0" normalizeH="0">
+          <a:defRPr kumimoji="0" sz="1800" b="0" i="0" u="none" strike="noStrike" cap="none" spc="0" normalizeH="0" baseline="0">
             <a:ln>
               <a:noFill/>
             </a:ln>
@@ -5753,7 +5983,7 @@
           <a:buFontTx/>
           <a:buNone/>
           <a:tabLst/>
-          <a:defRPr b="0" baseline="0" cap="none" i="0" spc="0" strike="noStrike" sz="1800" u="none" kumimoji="0" normalizeH="0">
+          <a:defRPr kumimoji="0" sz="1800" b="0" i="0" u="none" strike="noStrike" cap="none" spc="0" normalizeH="0" baseline="0">
             <a:ln>
               <a:noFill/>
             </a:ln>
@@ -5779,7 +6009,7 @@
           <a:buFontTx/>
           <a:buNone/>
           <a:tabLst/>
-          <a:defRPr b="0" baseline="0" cap="none" i="0" spc="0" strike="noStrike" sz="1800" u="none" kumimoji="0" normalizeH="0">
+          <a:defRPr kumimoji="0" sz="1800" b="0" i="0" u="none" strike="noStrike" cap="none" spc="0" normalizeH="0" baseline="0">
             <a:ln>
               <a:noFill/>
             </a:ln>
@@ -5805,7 +6035,7 @@
           <a:buFontTx/>
           <a:buNone/>
           <a:tabLst/>
-          <a:defRPr b="0" baseline="0" cap="none" i="0" spc="0" strike="noStrike" sz="1800" u="none" kumimoji="0" normalizeH="0">
+          <a:defRPr kumimoji="0" sz="1800" b="0" i="0" u="none" strike="noStrike" cap="none" spc="0" normalizeH="0" baseline="0">
             <a:ln>
               <a:noFill/>
             </a:ln>
@@ -5831,7 +6061,7 @@
           <a:buFontTx/>
           <a:buNone/>
           <a:tabLst/>
-          <a:defRPr b="0" baseline="0" cap="none" i="0" spc="0" strike="noStrike" sz="1800" u="none" kumimoji="0" normalizeH="0">
+          <a:defRPr kumimoji="0" sz="1800" b="0" i="0" u="none" strike="noStrike" cap="none" spc="0" normalizeH="0" baseline="0">
             <a:ln>
               <a:noFill/>
             </a:ln>
@@ -5857,7 +6087,7 @@
           <a:buFontTx/>
           <a:buNone/>
           <a:tabLst/>
-          <a:defRPr b="0" baseline="0" cap="none" i="0" spc="0" strike="noStrike" sz="1800" u="none" kumimoji="0" normalizeH="0">
+          <a:defRPr kumimoji="0" sz="1800" b="0" i="0" u="none" strike="noStrike" cap="none" spc="0" normalizeH="0" baseline="0">
             <a:ln>
               <a:noFill/>
             </a:ln>
@@ -5883,7 +6113,7 @@
           <a:buFontTx/>
           <a:buNone/>
           <a:tabLst/>
-          <a:defRPr b="0" baseline="0" cap="none" i="0" spc="0" strike="noStrike" sz="1800" u="none" kumimoji="0" normalizeH="0">
+          <a:defRPr kumimoji="0" sz="1800" b="0" i="0" u="none" strike="noStrike" cap="none" spc="0" normalizeH="0" baseline="0">
             <a:ln>
               <a:noFill/>
             </a:ln>
@@ -5909,7 +6139,7 @@
           <a:buFontTx/>
           <a:buNone/>
           <a:tabLst/>
-          <a:defRPr b="0" baseline="0" cap="none" i="0" spc="0" strike="noStrike" sz="1800" u="none" kumimoji="0" normalizeH="0">
+          <a:defRPr kumimoji="0" sz="1800" b="0" i="0" u="none" strike="noStrike" cap="none" spc="0" normalizeH="0" baseline="0">
             <a:ln>
               <a:noFill/>
             </a:ln>
@@ -5922,9 +6152,15 @@
         </a:lvl9pPr>
       </a:lstStyle>
       <a:style>
-        <a:lnRef idx="0"/>
-        <a:fillRef idx="0"/>
-        <a:effectRef idx="0"/>
+        <a:lnRef idx="0">
+          <a:scrgbClr r="0" g="0" b="0"/>
+        </a:lnRef>
+        <a:fillRef idx="0">
+          <a:scrgbClr r="0" g="0" b="0"/>
+        </a:fillRef>
+        <a:effectRef idx="0">
+          <a:scrgbClr r="0" g="0" b="0"/>
+        </a:effectRef>
         <a:fontRef idx="none"/>
       </a:style>
     </a:spDef>
@@ -5941,7 +6177,7 @@
         <a:effectLst/>
         <a:sp3d/>
       </a:spPr>
-      <a:bodyPr rot="0" spcFirstLastPara="1" vertOverflow="overflow" horzOverflow="overflow" vert="horz" wrap="square" lIns="91439" tIns="45719" rIns="91439" bIns="45719" numCol="1" spcCol="38100" rtlCol="0" anchor="t" upright="0">
+      <a:bodyPr rot="0" spcFirstLastPara="1" vertOverflow="overflow" horzOverflow="overflow" vert="horz" wrap="square" lIns="91439" tIns="45719" rIns="91439" bIns="45719" numCol="1" spcCol="38100" rtlCol="0" anchor="t">
         <a:noAutofit/>
       </a:bodyPr>
       <a:lstStyle>
@@ -5960,7 +6196,7 @@
           <a:buFontTx/>
           <a:buNone/>
           <a:tabLst/>
-          <a:defRPr b="0" baseline="0" cap="none" i="0" spc="0" strike="noStrike" sz="1800" u="none" kumimoji="0" normalizeH="0">
+          <a:defRPr kumimoji="0" sz="1800" b="0" i="0" u="none" strike="noStrike" cap="none" spc="0" normalizeH="0" baseline="0">
             <a:ln>
               <a:noFill/>
             </a:ln>
@@ -5986,7 +6222,7 @@
           <a:buFontTx/>
           <a:buNone/>
           <a:tabLst/>
-          <a:defRPr b="0" baseline="0" cap="none" i="0" spc="0" strike="noStrike" sz="1800" u="none" kumimoji="0" normalizeH="0">
+          <a:defRPr kumimoji="0" sz="1800" b="0" i="0" u="none" strike="noStrike" cap="none" spc="0" normalizeH="0" baseline="0">
             <a:ln>
               <a:noFill/>
             </a:ln>
@@ -6012,7 +6248,7 @@
           <a:buFontTx/>
           <a:buNone/>
           <a:tabLst/>
-          <a:defRPr b="0" baseline="0" cap="none" i="0" spc="0" strike="noStrike" sz="1800" u="none" kumimoji="0" normalizeH="0">
+          <a:defRPr kumimoji="0" sz="1800" b="0" i="0" u="none" strike="noStrike" cap="none" spc="0" normalizeH="0" baseline="0">
             <a:ln>
               <a:noFill/>
             </a:ln>
@@ -6038,7 +6274,7 @@
           <a:buFontTx/>
           <a:buNone/>
           <a:tabLst/>
-          <a:defRPr b="0" baseline="0" cap="none" i="0" spc="0" strike="noStrike" sz="1800" u="none" kumimoji="0" normalizeH="0">
+          <a:defRPr kumimoji="0" sz="1800" b="0" i="0" u="none" strike="noStrike" cap="none" spc="0" normalizeH="0" baseline="0">
             <a:ln>
               <a:noFill/>
             </a:ln>
@@ -6064,7 +6300,7 @@
           <a:buFontTx/>
           <a:buNone/>
           <a:tabLst/>
-          <a:defRPr b="0" baseline="0" cap="none" i="0" spc="0" strike="noStrike" sz="1800" u="none" kumimoji="0" normalizeH="0">
+          <a:defRPr kumimoji="0" sz="1800" b="0" i="0" u="none" strike="noStrike" cap="none" spc="0" normalizeH="0" baseline="0">
             <a:ln>
               <a:noFill/>
             </a:ln>
@@ -6090,7 +6326,7 @@
           <a:buFontTx/>
           <a:buNone/>
           <a:tabLst/>
-          <a:defRPr b="0" baseline="0" cap="none" i="0" spc="0" strike="noStrike" sz="1800" u="none" kumimoji="0" normalizeH="0">
+          <a:defRPr kumimoji="0" sz="1800" b="0" i="0" u="none" strike="noStrike" cap="none" spc="0" normalizeH="0" baseline="0">
             <a:ln>
               <a:noFill/>
             </a:ln>
@@ -6116,7 +6352,7 @@
           <a:buFontTx/>
           <a:buNone/>
           <a:tabLst/>
-          <a:defRPr b="0" baseline="0" cap="none" i="0" spc="0" strike="noStrike" sz="1800" u="none" kumimoji="0" normalizeH="0">
+          <a:defRPr kumimoji="0" sz="1800" b="0" i="0" u="none" strike="noStrike" cap="none" spc="0" normalizeH="0" baseline="0">
             <a:ln>
               <a:noFill/>
             </a:ln>
@@ -6142,7 +6378,7 @@
           <a:buFontTx/>
           <a:buNone/>
           <a:tabLst/>
-          <a:defRPr b="0" baseline="0" cap="none" i="0" spc="0" strike="noStrike" sz="1800" u="none" kumimoji="0" normalizeH="0">
+          <a:defRPr kumimoji="0" sz="1800" b="0" i="0" u="none" strike="noStrike" cap="none" spc="0" normalizeH="0" baseline="0">
             <a:ln>
               <a:noFill/>
             </a:ln>
@@ -6168,7 +6404,7 @@
           <a:buFontTx/>
           <a:buNone/>
           <a:tabLst/>
-          <a:defRPr b="0" baseline="0" cap="none" i="0" spc="0" strike="noStrike" sz="1800" u="none" kumimoji="0" normalizeH="0">
+          <a:defRPr kumimoji="0" sz="1800" b="0" i="0" u="none" strike="noStrike" cap="none" spc="0" normalizeH="0" baseline="0">
             <a:ln>
               <a:noFill/>
             </a:ln>
@@ -6194,7 +6430,7 @@
           <a:buFontTx/>
           <a:buNone/>
           <a:tabLst/>
-          <a:defRPr b="0" baseline="0" cap="none" i="0" spc="0" strike="noStrike" sz="1800" u="none" kumimoji="0" normalizeH="0">
+          <a:defRPr kumimoji="0" sz="1800" b="0" i="0" u="none" strike="noStrike" cap="none" spc="0" normalizeH="0" baseline="0">
             <a:ln>
               <a:noFill/>
             </a:ln>
@@ -6207,9 +6443,15 @@
         </a:lvl9pPr>
       </a:lstStyle>
       <a:style>
-        <a:lnRef idx="0"/>
-        <a:fillRef idx="0"/>
-        <a:effectRef idx="0"/>
+        <a:lnRef idx="0">
+          <a:scrgbClr r="0" g="0" b="0"/>
+        </a:lnRef>
+        <a:fillRef idx="0">
+          <a:scrgbClr r="0" g="0" b="0"/>
+        </a:fillRef>
+        <a:effectRef idx="0">
+          <a:scrgbClr r="0" g="0" b="0"/>
+        </a:effectRef>
         <a:fontRef idx="none"/>
       </a:style>
     </a:lnDef>
@@ -6223,7 +6465,7 @@
         <a:effectLst/>
         <a:sp3d/>
       </a:spPr>
-      <a:bodyPr rot="0" spcFirstLastPara="1" vertOverflow="overflow" horzOverflow="overflow" vert="horz" wrap="square" lIns="50800" tIns="50800" rIns="50800" bIns="50800" numCol="1" spcCol="38100" rtlCol="0" anchor="ctr" upright="0">
+      <a:bodyPr rot="0" spcFirstLastPara="1" vertOverflow="overflow" horzOverflow="overflow" vert="horz" wrap="square" lIns="50800" tIns="50800" rIns="50800" bIns="50800" numCol="1" spcCol="38100" rtlCol="0" anchor="ctr">
         <a:spAutoFit/>
       </a:bodyPr>
       <a:lstStyle>
@@ -6242,7 +6484,7 @@
           <a:buFontTx/>
           <a:buNone/>
           <a:tabLst/>
-          <a:defRPr b="0" baseline="0" cap="none" i="0" spc="0" strike="noStrike" sz="2000" u="none" kumimoji="0" normalizeH="0">
+          <a:defRPr kumimoji="0" sz="2000" b="0" i="0" u="none" strike="noStrike" cap="none" spc="0" normalizeH="0" baseline="0">
             <a:ln>
               <a:noFill/>
             </a:ln>
@@ -6272,7 +6514,7 @@
           <a:buFontTx/>
           <a:buNone/>
           <a:tabLst/>
-          <a:defRPr b="0" baseline="0" cap="none" i="0" spc="0" strike="noStrike" sz="1800" u="none" kumimoji="0" normalizeH="0">
+          <a:defRPr kumimoji="0" sz="1800" b="0" i="0" u="none" strike="noStrike" cap="none" spc="0" normalizeH="0" baseline="0">
             <a:ln>
               <a:noFill/>
             </a:ln>
@@ -6298,7 +6540,7 @@
           <a:buFontTx/>
           <a:buNone/>
           <a:tabLst/>
-          <a:defRPr b="0" baseline="0" cap="none" i="0" spc="0" strike="noStrike" sz="1800" u="none" kumimoji="0" normalizeH="0">
+          <a:defRPr kumimoji="0" sz="1800" b="0" i="0" u="none" strike="noStrike" cap="none" spc="0" normalizeH="0" baseline="0">
             <a:ln>
               <a:noFill/>
             </a:ln>
@@ -6324,7 +6566,7 @@
           <a:buFontTx/>
           <a:buNone/>
           <a:tabLst/>
-          <a:defRPr b="0" baseline="0" cap="none" i="0" spc="0" strike="noStrike" sz="1800" u="none" kumimoji="0" normalizeH="0">
+          <a:defRPr kumimoji="0" sz="1800" b="0" i="0" u="none" strike="noStrike" cap="none" spc="0" normalizeH="0" baseline="0">
             <a:ln>
               <a:noFill/>
             </a:ln>
@@ -6350,7 +6592,7 @@
           <a:buFontTx/>
           <a:buNone/>
           <a:tabLst/>
-          <a:defRPr b="0" baseline="0" cap="none" i="0" spc="0" strike="noStrike" sz="1800" u="none" kumimoji="0" normalizeH="0">
+          <a:defRPr kumimoji="0" sz="1800" b="0" i="0" u="none" strike="noStrike" cap="none" spc="0" normalizeH="0" baseline="0">
             <a:ln>
               <a:noFill/>
             </a:ln>
@@ -6376,7 +6618,7 @@
           <a:buFontTx/>
           <a:buNone/>
           <a:tabLst/>
-          <a:defRPr b="0" baseline="0" cap="none" i="0" spc="0" strike="noStrike" sz="1800" u="none" kumimoji="0" normalizeH="0">
+          <a:defRPr kumimoji="0" sz="1800" b="0" i="0" u="none" strike="noStrike" cap="none" spc="0" normalizeH="0" baseline="0">
             <a:ln>
               <a:noFill/>
             </a:ln>
@@ -6402,7 +6644,7 @@
           <a:buFontTx/>
           <a:buNone/>
           <a:tabLst/>
-          <a:defRPr b="0" baseline="0" cap="none" i="0" spc="0" strike="noStrike" sz="1800" u="none" kumimoji="0" normalizeH="0">
+          <a:defRPr kumimoji="0" sz="1800" b="0" i="0" u="none" strike="noStrike" cap="none" spc="0" normalizeH="0" baseline="0">
             <a:ln>
               <a:noFill/>
             </a:ln>
@@ -6428,7 +6670,7 @@
           <a:buFontTx/>
           <a:buNone/>
           <a:tabLst/>
-          <a:defRPr b="0" baseline="0" cap="none" i="0" spc="0" strike="noStrike" sz="1800" u="none" kumimoji="0" normalizeH="0">
+          <a:defRPr kumimoji="0" sz="1800" b="0" i="0" u="none" strike="noStrike" cap="none" spc="0" normalizeH="0" baseline="0">
             <a:ln>
               <a:noFill/>
             </a:ln>
@@ -6454,7 +6696,7 @@
           <a:buFontTx/>
           <a:buNone/>
           <a:tabLst/>
-          <a:defRPr b="0" baseline="0" cap="none" i="0" spc="0" strike="noStrike" sz="1800" u="none" kumimoji="0" normalizeH="0">
+          <a:defRPr kumimoji="0" sz="1800" b="0" i="0" u="none" strike="noStrike" cap="none" spc="0" normalizeH="0" baseline="0">
             <a:ln>
               <a:noFill/>
             </a:ln>
@@ -6480,7 +6722,7 @@
           <a:buFontTx/>
           <a:buNone/>
           <a:tabLst/>
-          <a:defRPr b="0" baseline="0" cap="none" i="0" spc="0" strike="noStrike" sz="1800" u="none" kumimoji="0" normalizeH="0">
+          <a:defRPr kumimoji="0" sz="1800" b="0" i="0" u="none" strike="noStrike" cap="none" spc="0" normalizeH="0" baseline="0">
             <a:ln>
               <a:noFill/>
             </a:ln>
@@ -6493,18 +6735,25 @@
         </a:lvl9pPr>
       </a:lstStyle>
       <a:style>
-        <a:lnRef idx="0"/>
-        <a:fillRef idx="0"/>
-        <a:effectRef idx="0"/>
+        <a:lnRef idx="0">
+          <a:scrgbClr r="0" g="0" b="0"/>
+        </a:lnRef>
+        <a:fillRef idx="0">
+          <a:scrgbClr r="0" g="0" b="0"/>
+        </a:fillRef>
+        <a:effectRef idx="0">
+          <a:scrgbClr r="0" g="0" b="0"/>
+        </a:effectRef>
         <a:fontRef idx="none"/>
       </a:style>
     </a:txDef>
   </a:objectDefaults>
+  <a:extraClrSchemeLst/>
 </a:theme>
 </file>
 
 <file path=ppt/theme/theme2.xml><?xml version="1.0" encoding="utf-8"?>
-<a:theme xmlns:a="http://schemas.openxmlformats.org/drawingml/2006/main" xmlns:r="http://schemas.openxmlformats.org/officeDocument/2006/relationships" name="New_Template7">
+<a:theme xmlns:a="http://schemas.openxmlformats.org/drawingml/2006/main" name="New_Template7">
   <a:themeElements>
     <a:clrScheme name="New_Template7">
       <a:dk1>
@@ -6703,7 +6952,7 @@
         <a:effectLst/>
         <a:sp3d/>
       </a:spPr>
-      <a:bodyPr rot="0" spcFirstLastPara="1" vertOverflow="overflow" horzOverflow="overflow" vert="horz" wrap="square" lIns="50800" tIns="50800" rIns="50800" bIns="50800" numCol="1" spcCol="38100" rtlCol="0" anchor="ctr" upright="0">
+      <a:bodyPr rot="0" spcFirstLastPara="1" vertOverflow="overflow" horzOverflow="overflow" vert="horz" wrap="square" lIns="50800" tIns="50800" rIns="50800" bIns="50800" numCol="1" spcCol="38100" rtlCol="0" anchor="ctr">
         <a:spAutoFit/>
       </a:bodyPr>
       <a:lstStyle>
@@ -6722,7 +6971,7 @@
           <a:buFontTx/>
           <a:buNone/>
           <a:tabLst/>
-          <a:defRPr b="0" baseline="0" cap="all" i="0" spc="0" strike="noStrike" sz="2800" u="none" kumimoji="0" normalizeH="0">
+          <a:defRPr kumimoji="0" sz="2800" b="0" i="0" u="none" strike="noStrike" cap="all" spc="0" normalizeH="0" baseline="0">
             <a:ln>
               <a:noFill/>
             </a:ln>
@@ -6752,7 +7001,7 @@
           <a:buFontTx/>
           <a:buNone/>
           <a:tabLst/>
-          <a:defRPr b="0" baseline="0" cap="none" i="0" spc="0" strike="noStrike" sz="1800" u="none" kumimoji="0" normalizeH="0">
+          <a:defRPr kumimoji="0" sz="1800" b="0" i="0" u="none" strike="noStrike" cap="none" spc="0" normalizeH="0" baseline="0">
             <a:ln>
               <a:noFill/>
             </a:ln>
@@ -6778,7 +7027,7 @@
           <a:buFontTx/>
           <a:buNone/>
           <a:tabLst/>
-          <a:defRPr b="0" baseline="0" cap="none" i="0" spc="0" strike="noStrike" sz="1800" u="none" kumimoji="0" normalizeH="0">
+          <a:defRPr kumimoji="0" sz="1800" b="0" i="0" u="none" strike="noStrike" cap="none" spc="0" normalizeH="0" baseline="0">
             <a:ln>
               <a:noFill/>
             </a:ln>
@@ -6804,7 +7053,7 @@
           <a:buFontTx/>
           <a:buNone/>
           <a:tabLst/>
-          <a:defRPr b="0" baseline="0" cap="none" i="0" spc="0" strike="noStrike" sz="1800" u="none" kumimoji="0" normalizeH="0">
+          <a:defRPr kumimoji="0" sz="1800" b="0" i="0" u="none" strike="noStrike" cap="none" spc="0" normalizeH="0" baseline="0">
             <a:ln>
               <a:noFill/>
             </a:ln>
@@ -6830,7 +7079,7 @@
           <a:buFontTx/>
           <a:buNone/>
           <a:tabLst/>
-          <a:defRPr b="0" baseline="0" cap="none" i="0" spc="0" strike="noStrike" sz="1800" u="none" kumimoji="0" normalizeH="0">
+          <a:defRPr kumimoji="0" sz="1800" b="0" i="0" u="none" strike="noStrike" cap="none" spc="0" normalizeH="0" baseline="0">
             <a:ln>
               <a:noFill/>
             </a:ln>
@@ -6856,7 +7105,7 @@
           <a:buFontTx/>
           <a:buNone/>
           <a:tabLst/>
-          <a:defRPr b="0" baseline="0" cap="none" i="0" spc="0" strike="noStrike" sz="1800" u="none" kumimoji="0" normalizeH="0">
+          <a:defRPr kumimoji="0" sz="1800" b="0" i="0" u="none" strike="noStrike" cap="none" spc="0" normalizeH="0" baseline="0">
             <a:ln>
               <a:noFill/>
             </a:ln>
@@ -6882,7 +7131,7 @@
           <a:buFontTx/>
           <a:buNone/>
           <a:tabLst/>
-          <a:defRPr b="0" baseline="0" cap="none" i="0" spc="0" strike="noStrike" sz="1800" u="none" kumimoji="0" normalizeH="0">
+          <a:defRPr kumimoji="0" sz="1800" b="0" i="0" u="none" strike="noStrike" cap="none" spc="0" normalizeH="0" baseline="0">
             <a:ln>
               <a:noFill/>
             </a:ln>
@@ -6908,7 +7157,7 @@
           <a:buFontTx/>
           <a:buNone/>
           <a:tabLst/>
-          <a:defRPr b="0" baseline="0" cap="none" i="0" spc="0" strike="noStrike" sz="1800" u="none" kumimoji="0" normalizeH="0">
+          <a:defRPr kumimoji="0" sz="1800" b="0" i="0" u="none" strike="noStrike" cap="none" spc="0" normalizeH="0" baseline="0">
             <a:ln>
               <a:noFill/>
             </a:ln>
@@ -6934,7 +7183,7 @@
           <a:buFontTx/>
           <a:buNone/>
           <a:tabLst/>
-          <a:defRPr b="0" baseline="0" cap="none" i="0" spc="0" strike="noStrike" sz="1800" u="none" kumimoji="0" normalizeH="0">
+          <a:defRPr kumimoji="0" sz="1800" b="0" i="0" u="none" strike="noStrike" cap="none" spc="0" normalizeH="0" baseline="0">
             <a:ln>
               <a:noFill/>
             </a:ln>
@@ -6960,7 +7209,7 @@
           <a:buFontTx/>
           <a:buNone/>
           <a:tabLst/>
-          <a:defRPr b="0" baseline="0" cap="none" i="0" spc="0" strike="noStrike" sz="1800" u="none" kumimoji="0" normalizeH="0">
+          <a:defRPr kumimoji="0" sz="1800" b="0" i="0" u="none" strike="noStrike" cap="none" spc="0" normalizeH="0" baseline="0">
             <a:ln>
               <a:noFill/>
             </a:ln>
@@ -6973,9 +7222,15 @@
         </a:lvl9pPr>
       </a:lstStyle>
       <a:style>
-        <a:lnRef idx="0"/>
-        <a:fillRef idx="0"/>
-        <a:effectRef idx="0"/>
+        <a:lnRef idx="0">
+          <a:scrgbClr r="0" g="0" b="0"/>
+        </a:lnRef>
+        <a:fillRef idx="0">
+          <a:scrgbClr r="0" g="0" b="0"/>
+        </a:fillRef>
+        <a:effectRef idx="0">
+          <a:scrgbClr r="0" g="0" b="0"/>
+        </a:effectRef>
         <a:fontRef idx="none"/>
       </a:style>
     </a:spDef>
@@ -6992,7 +7247,7 @@
         <a:effectLst/>
         <a:sp3d/>
       </a:spPr>
-      <a:bodyPr rot="0" spcFirstLastPara="1" vertOverflow="overflow" horzOverflow="overflow" vert="horz" wrap="square" lIns="91439" tIns="45719" rIns="91439" bIns="45719" numCol="1" spcCol="38100" rtlCol="0" anchor="t" upright="0">
+      <a:bodyPr rot="0" spcFirstLastPara="1" vertOverflow="overflow" horzOverflow="overflow" vert="horz" wrap="square" lIns="91439" tIns="45719" rIns="91439" bIns="45719" numCol="1" spcCol="38100" rtlCol="0" anchor="t">
         <a:noAutofit/>
       </a:bodyPr>
       <a:lstStyle>
@@ -7011,7 +7266,7 @@
           <a:buFontTx/>
           <a:buNone/>
           <a:tabLst/>
-          <a:defRPr b="0" baseline="0" cap="none" i="0" spc="0" strike="noStrike" sz="1800" u="none" kumimoji="0" normalizeH="0">
+          <a:defRPr kumimoji="0" sz="1800" b="0" i="0" u="none" strike="noStrike" cap="none" spc="0" normalizeH="0" baseline="0">
             <a:ln>
               <a:noFill/>
             </a:ln>
@@ -7037,7 +7292,7 @@
           <a:buFontTx/>
           <a:buNone/>
           <a:tabLst/>
-          <a:defRPr b="0" baseline="0" cap="none" i="0" spc="0" strike="noStrike" sz="1800" u="none" kumimoji="0" normalizeH="0">
+          <a:defRPr kumimoji="0" sz="1800" b="0" i="0" u="none" strike="noStrike" cap="none" spc="0" normalizeH="0" baseline="0">
             <a:ln>
               <a:noFill/>
             </a:ln>
@@ -7063,7 +7318,7 @@
           <a:buFontTx/>
           <a:buNone/>
           <a:tabLst/>
-          <a:defRPr b="0" baseline="0" cap="none" i="0" spc="0" strike="noStrike" sz="1800" u="none" kumimoji="0" normalizeH="0">
+          <a:defRPr kumimoji="0" sz="1800" b="0" i="0" u="none" strike="noStrike" cap="none" spc="0" normalizeH="0" baseline="0">
             <a:ln>
               <a:noFill/>
             </a:ln>
@@ -7089,7 +7344,7 @@
           <a:buFontTx/>
           <a:buNone/>
           <a:tabLst/>
-          <a:defRPr b="0" baseline="0" cap="none" i="0" spc="0" strike="noStrike" sz="1800" u="none" kumimoji="0" normalizeH="0">
+          <a:defRPr kumimoji="0" sz="1800" b="0" i="0" u="none" strike="noStrike" cap="none" spc="0" normalizeH="0" baseline="0">
             <a:ln>
               <a:noFill/>
             </a:ln>
@@ -7115,7 +7370,7 @@
           <a:buFontTx/>
           <a:buNone/>
           <a:tabLst/>
-          <a:defRPr b="0" baseline="0" cap="none" i="0" spc="0" strike="noStrike" sz="1800" u="none" kumimoji="0" normalizeH="0">
+          <a:defRPr kumimoji="0" sz="1800" b="0" i="0" u="none" strike="noStrike" cap="none" spc="0" normalizeH="0" baseline="0">
             <a:ln>
               <a:noFill/>
             </a:ln>
@@ -7141,7 +7396,7 @@
           <a:buFontTx/>
           <a:buNone/>
           <a:tabLst/>
-          <a:defRPr b="0" baseline="0" cap="none" i="0" spc="0" strike="noStrike" sz="1800" u="none" kumimoji="0" normalizeH="0">
+          <a:defRPr kumimoji="0" sz="1800" b="0" i="0" u="none" strike="noStrike" cap="none" spc="0" normalizeH="0" baseline="0">
             <a:ln>
               <a:noFill/>
             </a:ln>
@@ -7167,7 +7422,7 @@
           <a:buFontTx/>
           <a:buNone/>
           <a:tabLst/>
-          <a:defRPr b="0" baseline="0" cap="none" i="0" spc="0" strike="noStrike" sz="1800" u="none" kumimoji="0" normalizeH="0">
+          <a:defRPr kumimoji="0" sz="1800" b="0" i="0" u="none" strike="noStrike" cap="none" spc="0" normalizeH="0" baseline="0">
             <a:ln>
               <a:noFill/>
             </a:ln>
@@ -7193,7 +7448,7 @@
           <a:buFontTx/>
           <a:buNone/>
           <a:tabLst/>
-          <a:defRPr b="0" baseline="0" cap="none" i="0" spc="0" strike="noStrike" sz="1800" u="none" kumimoji="0" normalizeH="0">
+          <a:defRPr kumimoji="0" sz="1800" b="0" i="0" u="none" strike="noStrike" cap="none" spc="0" normalizeH="0" baseline="0">
             <a:ln>
               <a:noFill/>
             </a:ln>
@@ -7219,7 +7474,7 @@
           <a:buFontTx/>
           <a:buNone/>
           <a:tabLst/>
-          <a:defRPr b="0" baseline="0" cap="none" i="0" spc="0" strike="noStrike" sz="1800" u="none" kumimoji="0" normalizeH="0">
+          <a:defRPr kumimoji="0" sz="1800" b="0" i="0" u="none" strike="noStrike" cap="none" spc="0" normalizeH="0" baseline="0">
             <a:ln>
               <a:noFill/>
             </a:ln>
@@ -7245,7 +7500,7 @@
           <a:buFontTx/>
           <a:buNone/>
           <a:tabLst/>
-          <a:defRPr b="0" baseline="0" cap="none" i="0" spc="0" strike="noStrike" sz="1800" u="none" kumimoji="0" normalizeH="0">
+          <a:defRPr kumimoji="0" sz="1800" b="0" i="0" u="none" strike="noStrike" cap="none" spc="0" normalizeH="0" baseline="0">
             <a:ln>
               <a:noFill/>
             </a:ln>
@@ -7258,9 +7513,15 @@
         </a:lvl9pPr>
       </a:lstStyle>
       <a:style>
-        <a:lnRef idx="0"/>
-        <a:fillRef idx="0"/>
-        <a:effectRef idx="0"/>
+        <a:lnRef idx="0">
+          <a:scrgbClr r="0" g="0" b="0"/>
+        </a:lnRef>
+        <a:fillRef idx="0">
+          <a:scrgbClr r="0" g="0" b="0"/>
+        </a:fillRef>
+        <a:effectRef idx="0">
+          <a:scrgbClr r="0" g="0" b="0"/>
+        </a:effectRef>
         <a:fontRef idx="none"/>
       </a:style>
     </a:lnDef>
@@ -7274,7 +7535,7 @@
         <a:effectLst/>
         <a:sp3d/>
       </a:spPr>
-      <a:bodyPr rot="0" spcFirstLastPara="1" vertOverflow="overflow" horzOverflow="overflow" vert="horz" wrap="square" lIns="50800" tIns="50800" rIns="50800" bIns="50800" numCol="1" spcCol="38100" rtlCol="0" anchor="ctr" upright="0">
+      <a:bodyPr rot="0" spcFirstLastPara="1" vertOverflow="overflow" horzOverflow="overflow" vert="horz" wrap="square" lIns="50800" tIns="50800" rIns="50800" bIns="50800" numCol="1" spcCol="38100" rtlCol="0" anchor="ctr">
         <a:spAutoFit/>
       </a:bodyPr>
       <a:lstStyle>
@@ -7293,7 +7554,7 @@
           <a:buFontTx/>
           <a:buNone/>
           <a:tabLst/>
-          <a:defRPr b="0" baseline="0" cap="none" i="0" spc="0" strike="noStrike" sz="2000" u="none" kumimoji="0" normalizeH="0">
+          <a:defRPr kumimoji="0" sz="2000" b="0" i="0" u="none" strike="noStrike" cap="none" spc="0" normalizeH="0" baseline="0">
             <a:ln>
               <a:noFill/>
             </a:ln>
@@ -7323,7 +7584,7 @@
           <a:buFontTx/>
           <a:buNone/>
           <a:tabLst/>
-          <a:defRPr b="0" baseline="0" cap="none" i="0" spc="0" strike="noStrike" sz="1800" u="none" kumimoji="0" normalizeH="0">
+          <a:defRPr kumimoji="0" sz="1800" b="0" i="0" u="none" strike="noStrike" cap="none" spc="0" normalizeH="0" baseline="0">
             <a:ln>
               <a:noFill/>
             </a:ln>
@@ -7349,7 +7610,7 @@
           <a:buFontTx/>
           <a:buNone/>
           <a:tabLst/>
-          <a:defRPr b="0" baseline="0" cap="none" i="0" spc="0" strike="noStrike" sz="1800" u="none" kumimoji="0" normalizeH="0">
+          <a:defRPr kumimoji="0" sz="1800" b="0" i="0" u="none" strike="noStrike" cap="none" spc="0" normalizeH="0" baseline="0">
             <a:ln>
               <a:noFill/>
             </a:ln>
@@ -7375,7 +7636,7 @@
           <a:buFontTx/>
           <a:buNone/>
           <a:tabLst/>
-          <a:defRPr b="0" baseline="0" cap="none" i="0" spc="0" strike="noStrike" sz="1800" u="none" kumimoji="0" normalizeH="0">
+          <a:defRPr kumimoji="0" sz="1800" b="0" i="0" u="none" strike="noStrike" cap="none" spc="0" normalizeH="0" baseline="0">
             <a:ln>
               <a:noFill/>
             </a:ln>
@@ -7401,7 +7662,7 @@
           <a:buFontTx/>
           <a:buNone/>
           <a:tabLst/>
-          <a:defRPr b="0" baseline="0" cap="none" i="0" spc="0" strike="noStrike" sz="1800" u="none" kumimoji="0" normalizeH="0">
+          <a:defRPr kumimoji="0" sz="1800" b="0" i="0" u="none" strike="noStrike" cap="none" spc="0" normalizeH="0" baseline="0">
             <a:ln>
               <a:noFill/>
             </a:ln>
@@ -7427,7 +7688,7 @@
           <a:buFontTx/>
           <a:buNone/>
           <a:tabLst/>
-          <a:defRPr b="0" baseline="0" cap="none" i="0" spc="0" strike="noStrike" sz="1800" u="none" kumimoji="0" normalizeH="0">
+          <a:defRPr kumimoji="0" sz="1800" b="0" i="0" u="none" strike="noStrike" cap="none" spc="0" normalizeH="0" baseline="0">
             <a:ln>
               <a:noFill/>
             </a:ln>
@@ -7453,7 +7714,7 @@
           <a:buFontTx/>
           <a:buNone/>
           <a:tabLst/>
-          <a:defRPr b="0" baseline="0" cap="none" i="0" spc="0" strike="noStrike" sz="1800" u="none" kumimoji="0" normalizeH="0">
+          <a:defRPr kumimoji="0" sz="1800" b="0" i="0" u="none" strike="noStrike" cap="none" spc="0" normalizeH="0" baseline="0">
             <a:ln>
               <a:noFill/>
             </a:ln>
@@ -7479,7 +7740,7 @@
           <a:buFontTx/>
           <a:buNone/>
           <a:tabLst/>
-          <a:defRPr b="0" baseline="0" cap="none" i="0" spc="0" strike="noStrike" sz="1800" u="none" kumimoji="0" normalizeH="0">
+          <a:defRPr kumimoji="0" sz="1800" b="0" i="0" u="none" strike="noStrike" cap="none" spc="0" normalizeH="0" baseline="0">
             <a:ln>
               <a:noFill/>
             </a:ln>
@@ -7505,7 +7766,7 @@
           <a:buFontTx/>
           <a:buNone/>
           <a:tabLst/>
-          <a:defRPr b="0" baseline="0" cap="none" i="0" spc="0" strike="noStrike" sz="1800" u="none" kumimoji="0" normalizeH="0">
+          <a:defRPr kumimoji="0" sz="1800" b="0" i="0" u="none" strike="noStrike" cap="none" spc="0" normalizeH="0" baseline="0">
             <a:ln>
               <a:noFill/>
             </a:ln>
@@ -7531,7 +7792,7 @@
           <a:buFontTx/>
           <a:buNone/>
           <a:tabLst/>
-          <a:defRPr b="0" baseline="0" cap="none" i="0" spc="0" strike="noStrike" sz="1800" u="none" kumimoji="0" normalizeH="0">
+          <a:defRPr kumimoji="0" sz="1800" b="0" i="0" u="none" strike="noStrike" cap="none" spc="0" normalizeH="0" baseline="0">
             <a:ln>
               <a:noFill/>
             </a:ln>
@@ -7544,12 +7805,19 @@
         </a:lvl9pPr>
       </a:lstStyle>
       <a:style>
-        <a:lnRef idx="0"/>
-        <a:fillRef idx="0"/>
-        <a:effectRef idx="0"/>
+        <a:lnRef idx="0">
+          <a:scrgbClr r="0" g="0" b="0"/>
+        </a:lnRef>
+        <a:fillRef idx="0">
+          <a:scrgbClr r="0" g="0" b="0"/>
+        </a:fillRef>
+        <a:effectRef idx="0">
+          <a:scrgbClr r="0" g="0" b="0"/>
+        </a:effectRef>
         <a:fontRef idx="none"/>
       </a:style>
     </a:txDef>
   </a:objectDefaults>
+  <a:extraClrSchemeLst/>
 </a:theme>
 </file>